--- a/Ggplot2_basic.pptx
+++ b/Ggplot2_basic.pptx
@@ -5,13 +5,24 @@
     <p:sldMasterId id="2147483648" r:id="rId1"/>
   </p:sldMasterIdLst>
   <p:notesMasterIdLst>
-    <p:notesMasterId r:id="rId6"/>
+    <p:notesMasterId r:id="rId17"/>
   </p:notesMasterIdLst>
   <p:sldIdLst>
     <p:sldId id="256" r:id="rId2"/>
     <p:sldId id="257" r:id="rId3"/>
-    <p:sldId id="275" r:id="rId4"/>
-    <p:sldId id="283" r:id="rId5"/>
+    <p:sldId id="285" r:id="rId4"/>
+    <p:sldId id="286" r:id="rId5"/>
+    <p:sldId id="284" r:id="rId6"/>
+    <p:sldId id="287" r:id="rId7"/>
+    <p:sldId id="295" r:id="rId8"/>
+    <p:sldId id="296" r:id="rId9"/>
+    <p:sldId id="297" r:id="rId10"/>
+    <p:sldId id="294" r:id="rId11"/>
+    <p:sldId id="298" r:id="rId12"/>
+    <p:sldId id="299" r:id="rId13"/>
+    <p:sldId id="300" r:id="rId14"/>
+    <p:sldId id="275" r:id="rId15"/>
+    <p:sldId id="283" r:id="rId16"/>
   </p:sldIdLst>
   <p:sldSz cx="12192000" cy="6858000"/>
   <p:notesSz cx="6858000" cy="9144000"/>
@@ -200,7 +211,7 @@
           <a:p>
             <a:fld id="{DE24B45D-B38B-5348-97F2-91F5A5915D4C}" type="datetimeFigureOut">
               <a:rPr lang="en-AU" smtClean="0"/>
-              <a:t>30/1/19</a:t>
+              <a:t>13/3/19</a:t>
             </a:fld>
             <a:endParaRPr lang="en-AU"/>
           </a:p>
@@ -533,7 +544,7 @@
           <a:p>
             <a:fld id="{3C97A14E-500E-A148-99C8-B80307C7DE72}" type="slidenum">
               <a:rPr lang="en-AU" smtClean="0"/>
-              <a:t>4</a:t>
+              <a:t>15</a:t>
             </a:fld>
             <a:endParaRPr lang="en-AU"/>
           </a:p>
@@ -683,7 +694,7 @@
           <a:p>
             <a:fld id="{95F34277-3EED-7A4D-A803-67027078CA3E}" type="datetimeFigureOut">
               <a:rPr lang="fr-FR" smtClean="0"/>
-              <a:t>30/01/2019</a:t>
+              <a:t>13/03/2019</a:t>
             </a:fld>
             <a:endParaRPr lang="fr-FR"/>
           </a:p>
@@ -853,7 +864,7 @@
           <a:p>
             <a:fld id="{95F34277-3EED-7A4D-A803-67027078CA3E}" type="datetimeFigureOut">
               <a:rPr lang="fr-FR" smtClean="0"/>
-              <a:t>30/01/2019</a:t>
+              <a:t>13/03/2019</a:t>
             </a:fld>
             <a:endParaRPr lang="fr-FR"/>
           </a:p>
@@ -1033,7 +1044,7 @@
           <a:p>
             <a:fld id="{95F34277-3EED-7A4D-A803-67027078CA3E}" type="datetimeFigureOut">
               <a:rPr lang="fr-FR" smtClean="0"/>
-              <a:t>30/01/2019</a:t>
+              <a:t>13/03/2019</a:t>
             </a:fld>
             <a:endParaRPr lang="fr-FR"/>
           </a:p>
@@ -1203,7 +1214,7 @@
           <a:p>
             <a:fld id="{95F34277-3EED-7A4D-A803-67027078CA3E}" type="datetimeFigureOut">
               <a:rPr lang="fr-FR" smtClean="0"/>
-              <a:t>30/01/2019</a:t>
+              <a:t>13/03/2019</a:t>
             </a:fld>
             <a:endParaRPr lang="fr-FR"/>
           </a:p>
@@ -1449,7 +1460,7 @@
           <a:p>
             <a:fld id="{95F34277-3EED-7A4D-A803-67027078CA3E}" type="datetimeFigureOut">
               <a:rPr lang="fr-FR" smtClean="0"/>
-              <a:t>30/01/2019</a:t>
+              <a:t>13/03/2019</a:t>
             </a:fld>
             <a:endParaRPr lang="fr-FR"/>
           </a:p>
@@ -1681,7 +1692,7 @@
           <a:p>
             <a:fld id="{95F34277-3EED-7A4D-A803-67027078CA3E}" type="datetimeFigureOut">
               <a:rPr lang="fr-FR" smtClean="0"/>
-              <a:t>30/01/2019</a:t>
+              <a:t>13/03/2019</a:t>
             </a:fld>
             <a:endParaRPr lang="fr-FR"/>
           </a:p>
@@ -2048,7 +2059,7 @@
           <a:p>
             <a:fld id="{95F34277-3EED-7A4D-A803-67027078CA3E}" type="datetimeFigureOut">
               <a:rPr lang="fr-FR" smtClean="0"/>
-              <a:t>30/01/2019</a:t>
+              <a:t>13/03/2019</a:t>
             </a:fld>
             <a:endParaRPr lang="fr-FR"/>
           </a:p>
@@ -2166,7 +2177,7 @@
           <a:p>
             <a:fld id="{95F34277-3EED-7A4D-A803-67027078CA3E}" type="datetimeFigureOut">
               <a:rPr lang="fr-FR" smtClean="0"/>
-              <a:t>30/01/2019</a:t>
+              <a:t>13/03/2019</a:t>
             </a:fld>
             <a:endParaRPr lang="fr-FR"/>
           </a:p>
@@ -2261,7 +2272,7 @@
           <a:p>
             <a:fld id="{95F34277-3EED-7A4D-A803-67027078CA3E}" type="datetimeFigureOut">
               <a:rPr lang="fr-FR" smtClean="0"/>
-              <a:t>30/01/2019</a:t>
+              <a:t>13/03/2019</a:t>
             </a:fld>
             <a:endParaRPr lang="fr-FR"/>
           </a:p>
@@ -2538,7 +2549,7 @@
           <a:p>
             <a:fld id="{95F34277-3EED-7A4D-A803-67027078CA3E}" type="datetimeFigureOut">
               <a:rPr lang="fr-FR" smtClean="0"/>
-              <a:t>30/01/2019</a:t>
+              <a:t>13/03/2019</a:t>
             </a:fld>
             <a:endParaRPr lang="fr-FR"/>
           </a:p>
@@ -2791,7 +2802,7 @@
           <a:p>
             <a:fld id="{95F34277-3EED-7A4D-A803-67027078CA3E}" type="datetimeFigureOut">
               <a:rPr lang="fr-FR" smtClean="0"/>
-              <a:t>30/01/2019</a:t>
+              <a:t>13/03/2019</a:t>
             </a:fld>
             <a:endParaRPr lang="fr-FR"/>
           </a:p>
@@ -3004,7 +3015,7 @@
           <a:p>
             <a:fld id="{95F34277-3EED-7A4D-A803-67027078CA3E}" type="datetimeFigureOut">
               <a:rPr lang="fr-FR" smtClean="0"/>
-              <a:t>30/01/2019</a:t>
+              <a:t>13/03/2019</a:t>
             </a:fld>
             <a:endParaRPr lang="fr-FR"/>
           </a:p>
@@ -3411,7 +3422,7 @@
       </p:grpSpPr>
       <p:pic>
         <p:nvPicPr>
-          <p:cNvPr id="8" name="Image 7"/>
+          <p:cNvPr id="7" name="Image 6"/>
           <p:cNvPicPr>
             <a:picLocks noChangeAspect="1"/>
           </p:cNvPicPr>
@@ -3419,7 +3430,6 @@
         </p:nvPicPr>
         <p:blipFill>
           <a:blip r:embed="rId2">
-            <a:alphaModFix amt="24000"/>
             <a:extLst>
               <a:ext uri="{28A0092B-C50C-407E-A947-70E740481C1C}">
                 <a14:useLocalDpi xmlns:a14="http://schemas.microsoft.com/office/drawing/2010/main" val="0"/>
@@ -3432,8 +3442,8 @@
         </p:blipFill>
         <p:spPr>
           <a:xfrm>
-            <a:off x="-2411662" y="16042"/>
-            <a:ext cx="17808514" cy="6858000"/>
+            <a:off x="-2729949" y="6684"/>
+            <a:ext cx="16408795" cy="6858000"/>
           </a:xfrm>
           <a:prstGeom prst="rect">
             <a:avLst/>
@@ -3465,11 +3475,7 @@
             <a:pPr algn="ctr"/>
             <a:r>
               <a:rPr lang="en-CA" i="1" dirty="0" smtClean="0"/>
-              <a:t>An overview of </a:t>
-            </a:r>
-            <a:r>
-              <a:rPr lang="en-CA" i="1" dirty="0" smtClean="0"/>
-              <a:t>the most powerful R library for </a:t>
+              <a:t>An overview of the most powerful R library for </a:t>
             </a:r>
             <a:r>
               <a:rPr lang="en-CA" i="1" smtClean="0"/>
@@ -3622,6 +3628,1559 @@
     <p:extLst>
       <p:ext uri="{BB962C8B-B14F-4D97-AF65-F5344CB8AC3E}">
         <p14:creationId xmlns:p14="http://schemas.microsoft.com/office/powerpoint/2010/main" val="1957141425"/>
+      </p:ext>
+    </p:extLst>
+  </p:cSld>
+  <p:clrMapOvr>
+    <a:masterClrMapping/>
+  </p:clrMapOvr>
+  <p:timing>
+    <p:tnLst>
+      <p:par>
+        <p:cTn id="1" dur="indefinite" restart="never" nodeType="tmRoot"/>
+      </p:par>
+    </p:tnLst>
+  </p:timing>
+</p:sld>
+</file>
+
+<file path=ppt/slides/slide10.xml><?xml version="1.0" encoding="utf-8"?>
+<p:sld xmlns:a="http://schemas.openxmlformats.org/drawingml/2006/main" xmlns:r="http://schemas.openxmlformats.org/officeDocument/2006/relationships" xmlns:p="http://schemas.openxmlformats.org/presentationml/2006/main">
+  <p:cSld>
+    <p:spTree>
+      <p:nvGrpSpPr>
+        <p:cNvPr id="1" name=""/>
+        <p:cNvGrpSpPr/>
+        <p:nvPr/>
+      </p:nvGrpSpPr>
+      <p:grpSpPr>
+        <a:xfrm>
+          <a:off x="0" y="0"/>
+          <a:ext cx="0" cy="0"/>
+          <a:chOff x="0" y="0"/>
+          <a:chExt cx="0" cy="0"/>
+        </a:xfrm>
+      </p:grpSpPr>
+      <p:pic>
+        <p:nvPicPr>
+          <p:cNvPr id="2" name="Image 1"/>
+          <p:cNvPicPr>
+            <a:picLocks noChangeAspect="1"/>
+          </p:cNvPicPr>
+          <p:nvPr/>
+        </p:nvPicPr>
+        <p:blipFill>
+          <a:blip r:embed="rId2"/>
+          <a:stretch>
+            <a:fillRect/>
+          </a:stretch>
+        </p:blipFill>
+        <p:spPr>
+          <a:xfrm>
+            <a:off x="1414221" y="4470615"/>
+            <a:ext cx="3505200" cy="1295400"/>
+          </a:xfrm>
+          <a:prstGeom prst="rect">
+            <a:avLst/>
+          </a:prstGeom>
+        </p:spPr>
+      </p:pic>
+      <p:sp>
+        <p:nvSpPr>
+          <p:cNvPr id="6" name="ZoneTexte 3"/>
+          <p:cNvSpPr txBox="1"/>
+          <p:nvPr/>
+        </p:nvSpPr>
+        <p:spPr>
+          <a:xfrm>
+            <a:off x="-721520" y="4856705"/>
+            <a:ext cx="3037872" cy="523220"/>
+          </a:xfrm>
+          <a:prstGeom prst="rect">
+            <a:avLst/>
+          </a:prstGeom>
+          <a:noFill/>
+        </p:spPr>
+        <p:txBody>
+          <a:bodyPr wrap="square" rtlCol="0">
+            <a:spAutoFit/>
+          </a:bodyPr>
+          <a:lstStyle>
+            <a:defPPr>
+              <a:defRPr lang="fr-FR"/>
+            </a:defPPr>
+            <a:lvl1pPr algn="ctr">
+              <a:defRPr>
+                <a:solidFill>
+                  <a:srgbClr val="FF0000"/>
+                </a:solidFill>
+              </a:defRPr>
+            </a:lvl1pPr>
+          </a:lstStyle>
+          <a:p>
+            <a:r>
+              <a:rPr lang="fr-FR" sz="2800" smtClean="0"/>
+              <a:t>Data </a:t>
+            </a:r>
+            <a:endParaRPr lang="fr-FR" sz="2800" dirty="0"/>
+          </a:p>
+        </p:txBody>
+      </p:sp>
+      <p:pic>
+        <p:nvPicPr>
+          <p:cNvPr id="3" name="Image 2"/>
+          <p:cNvPicPr>
+            <a:picLocks noChangeAspect="1"/>
+          </p:cNvPicPr>
+          <p:nvPr/>
+        </p:nvPicPr>
+        <p:blipFill>
+          <a:blip r:embed="rId3"/>
+          <a:stretch>
+            <a:fillRect/>
+          </a:stretch>
+        </p:blipFill>
+        <p:spPr>
+          <a:xfrm>
+            <a:off x="5705827" y="2092271"/>
+            <a:ext cx="6209166" cy="4417016"/>
+          </a:xfrm>
+          <a:prstGeom prst="rect">
+            <a:avLst/>
+          </a:prstGeom>
+        </p:spPr>
+      </p:pic>
+      <p:pic>
+        <p:nvPicPr>
+          <p:cNvPr id="5" name="Image 4"/>
+          <p:cNvPicPr>
+            <a:picLocks noChangeAspect="1"/>
+          </p:cNvPicPr>
+          <p:nvPr/>
+        </p:nvPicPr>
+        <p:blipFill>
+          <a:blip r:embed="rId4"/>
+          <a:stretch>
+            <a:fillRect/>
+          </a:stretch>
+        </p:blipFill>
+        <p:spPr>
+          <a:xfrm>
+            <a:off x="797416" y="626681"/>
+            <a:ext cx="9232900" cy="1079500"/>
+          </a:xfrm>
+          <a:prstGeom prst="rect">
+            <a:avLst/>
+          </a:prstGeom>
+        </p:spPr>
+      </p:pic>
+    </p:spTree>
+    <p:extLst>
+      <p:ext uri="{BB962C8B-B14F-4D97-AF65-F5344CB8AC3E}">
+        <p14:creationId xmlns:p14="http://schemas.microsoft.com/office/powerpoint/2010/main" val="257823542"/>
+      </p:ext>
+    </p:extLst>
+  </p:cSld>
+  <p:clrMapOvr>
+    <a:masterClrMapping/>
+  </p:clrMapOvr>
+  <p:timing>
+    <p:tnLst>
+      <p:par>
+        <p:cTn id="1" dur="indefinite" restart="never" nodeType="tmRoot"/>
+      </p:par>
+    </p:tnLst>
+  </p:timing>
+</p:sld>
+</file>
+
+<file path=ppt/slides/slide11.xml><?xml version="1.0" encoding="utf-8"?>
+<p:sld xmlns:a="http://schemas.openxmlformats.org/drawingml/2006/main" xmlns:r="http://schemas.openxmlformats.org/officeDocument/2006/relationships" xmlns:p="http://schemas.openxmlformats.org/presentationml/2006/main">
+  <p:cSld>
+    <p:spTree>
+      <p:nvGrpSpPr>
+        <p:cNvPr id="1" name=""/>
+        <p:cNvGrpSpPr/>
+        <p:nvPr/>
+      </p:nvGrpSpPr>
+      <p:grpSpPr>
+        <a:xfrm>
+          <a:off x="0" y="0"/>
+          <a:ext cx="0" cy="0"/>
+          <a:chOff x="0" y="0"/>
+          <a:chExt cx="0" cy="0"/>
+        </a:xfrm>
+      </p:grpSpPr>
+      <p:pic>
+        <p:nvPicPr>
+          <p:cNvPr id="2" name="Image 1"/>
+          <p:cNvPicPr>
+            <a:picLocks noChangeAspect="1"/>
+          </p:cNvPicPr>
+          <p:nvPr/>
+        </p:nvPicPr>
+        <p:blipFill>
+          <a:blip r:embed="rId2"/>
+          <a:stretch>
+            <a:fillRect/>
+          </a:stretch>
+        </p:blipFill>
+        <p:spPr>
+          <a:xfrm>
+            <a:off x="1414221" y="4470615"/>
+            <a:ext cx="3505200" cy="1295400"/>
+          </a:xfrm>
+          <a:prstGeom prst="rect">
+            <a:avLst/>
+          </a:prstGeom>
+        </p:spPr>
+      </p:pic>
+      <p:sp>
+        <p:nvSpPr>
+          <p:cNvPr id="6" name="ZoneTexte 3"/>
+          <p:cNvSpPr txBox="1"/>
+          <p:nvPr/>
+        </p:nvSpPr>
+        <p:spPr>
+          <a:xfrm>
+            <a:off x="-721520" y="4856705"/>
+            <a:ext cx="3037872" cy="523220"/>
+          </a:xfrm>
+          <a:prstGeom prst="rect">
+            <a:avLst/>
+          </a:prstGeom>
+          <a:noFill/>
+        </p:spPr>
+        <p:txBody>
+          <a:bodyPr wrap="square" rtlCol="0">
+            <a:spAutoFit/>
+          </a:bodyPr>
+          <a:lstStyle>
+            <a:defPPr>
+              <a:defRPr lang="fr-FR"/>
+            </a:defPPr>
+            <a:lvl1pPr algn="ctr">
+              <a:defRPr>
+                <a:solidFill>
+                  <a:srgbClr val="FF0000"/>
+                </a:solidFill>
+              </a:defRPr>
+            </a:lvl1pPr>
+          </a:lstStyle>
+          <a:p>
+            <a:r>
+              <a:rPr lang="fr-FR" sz="2800" smtClean="0"/>
+              <a:t>Data </a:t>
+            </a:r>
+            <a:endParaRPr lang="fr-FR" sz="2800" dirty="0"/>
+          </a:p>
+        </p:txBody>
+      </p:sp>
+      <p:pic>
+        <p:nvPicPr>
+          <p:cNvPr id="4" name="Image 3"/>
+          <p:cNvPicPr>
+            <a:picLocks noChangeAspect="1"/>
+          </p:cNvPicPr>
+          <p:nvPr/>
+        </p:nvPicPr>
+        <p:blipFill>
+          <a:blip r:embed="rId3"/>
+          <a:stretch>
+            <a:fillRect/>
+          </a:stretch>
+        </p:blipFill>
+        <p:spPr>
+          <a:xfrm>
+            <a:off x="5370365" y="2030278"/>
+            <a:ext cx="6346353" cy="4529074"/>
+          </a:xfrm>
+          <a:prstGeom prst="rect">
+            <a:avLst/>
+          </a:prstGeom>
+        </p:spPr>
+      </p:pic>
+      <p:pic>
+        <p:nvPicPr>
+          <p:cNvPr id="8" name="Image 7"/>
+          <p:cNvPicPr>
+            <a:picLocks noChangeAspect="1"/>
+          </p:cNvPicPr>
+          <p:nvPr/>
+        </p:nvPicPr>
+        <p:blipFill>
+          <a:blip r:embed="rId4"/>
+          <a:stretch>
+            <a:fillRect/>
+          </a:stretch>
+        </p:blipFill>
+        <p:spPr>
+          <a:xfrm>
+            <a:off x="1221675" y="564688"/>
+            <a:ext cx="9503151" cy="1105018"/>
+          </a:xfrm>
+          <a:prstGeom prst="rect">
+            <a:avLst/>
+          </a:prstGeom>
+        </p:spPr>
+      </p:pic>
+    </p:spTree>
+    <p:extLst>
+      <p:ext uri="{BB962C8B-B14F-4D97-AF65-F5344CB8AC3E}">
+        <p14:creationId xmlns:p14="http://schemas.microsoft.com/office/powerpoint/2010/main" val="1526463935"/>
+      </p:ext>
+    </p:extLst>
+  </p:cSld>
+  <p:clrMapOvr>
+    <a:masterClrMapping/>
+  </p:clrMapOvr>
+  <p:timing>
+    <p:tnLst>
+      <p:par>
+        <p:cTn id="1" dur="indefinite" restart="never" nodeType="tmRoot"/>
+      </p:par>
+    </p:tnLst>
+  </p:timing>
+</p:sld>
+</file>
+
+<file path=ppt/slides/slide12.xml><?xml version="1.0" encoding="utf-8"?>
+<p:sld xmlns:a="http://schemas.openxmlformats.org/drawingml/2006/main" xmlns:r="http://schemas.openxmlformats.org/officeDocument/2006/relationships" xmlns:p="http://schemas.openxmlformats.org/presentationml/2006/main">
+  <p:cSld>
+    <p:spTree>
+      <p:nvGrpSpPr>
+        <p:cNvPr id="1" name=""/>
+        <p:cNvGrpSpPr/>
+        <p:nvPr/>
+      </p:nvGrpSpPr>
+      <p:grpSpPr>
+        <a:xfrm>
+          <a:off x="0" y="0"/>
+          <a:ext cx="0" cy="0"/>
+          <a:chOff x="0" y="0"/>
+          <a:chExt cx="0" cy="0"/>
+        </a:xfrm>
+      </p:grpSpPr>
+      <p:pic>
+        <p:nvPicPr>
+          <p:cNvPr id="2" name="Image 1"/>
+          <p:cNvPicPr>
+            <a:picLocks noChangeAspect="1"/>
+          </p:cNvPicPr>
+          <p:nvPr/>
+        </p:nvPicPr>
+        <p:blipFill>
+          <a:blip r:embed="rId2"/>
+          <a:stretch>
+            <a:fillRect/>
+          </a:stretch>
+        </p:blipFill>
+        <p:spPr>
+          <a:xfrm>
+            <a:off x="1414221" y="4470615"/>
+            <a:ext cx="3505200" cy="1295400"/>
+          </a:xfrm>
+          <a:prstGeom prst="rect">
+            <a:avLst/>
+          </a:prstGeom>
+        </p:spPr>
+      </p:pic>
+      <p:sp>
+        <p:nvSpPr>
+          <p:cNvPr id="6" name="ZoneTexte 3"/>
+          <p:cNvSpPr txBox="1"/>
+          <p:nvPr/>
+        </p:nvSpPr>
+        <p:spPr>
+          <a:xfrm>
+            <a:off x="-721520" y="4856705"/>
+            <a:ext cx="3037872" cy="523220"/>
+          </a:xfrm>
+          <a:prstGeom prst="rect">
+            <a:avLst/>
+          </a:prstGeom>
+          <a:noFill/>
+        </p:spPr>
+        <p:txBody>
+          <a:bodyPr wrap="square" rtlCol="0">
+            <a:spAutoFit/>
+          </a:bodyPr>
+          <a:lstStyle>
+            <a:defPPr>
+              <a:defRPr lang="fr-FR"/>
+            </a:defPPr>
+            <a:lvl1pPr algn="ctr">
+              <a:defRPr>
+                <a:solidFill>
+                  <a:srgbClr val="FF0000"/>
+                </a:solidFill>
+              </a:defRPr>
+            </a:lvl1pPr>
+          </a:lstStyle>
+          <a:p>
+            <a:r>
+              <a:rPr lang="fr-FR" sz="2800" smtClean="0"/>
+              <a:t>Data </a:t>
+            </a:r>
+            <a:endParaRPr lang="fr-FR" sz="2800" dirty="0"/>
+          </a:p>
+        </p:txBody>
+      </p:sp>
+      <p:pic>
+        <p:nvPicPr>
+          <p:cNvPr id="4" name="Image 3"/>
+          <p:cNvPicPr>
+            <a:picLocks noChangeAspect="1"/>
+          </p:cNvPicPr>
+          <p:nvPr/>
+        </p:nvPicPr>
+        <p:blipFill>
+          <a:blip r:embed="rId3"/>
+          <a:stretch>
+            <a:fillRect/>
+          </a:stretch>
+        </p:blipFill>
+        <p:spPr>
+          <a:xfrm>
+            <a:off x="0" y="583450"/>
+            <a:ext cx="12192000" cy="1107233"/>
+          </a:xfrm>
+          <a:prstGeom prst="rect">
+            <a:avLst/>
+          </a:prstGeom>
+        </p:spPr>
+      </p:pic>
+      <p:pic>
+        <p:nvPicPr>
+          <p:cNvPr id="7" name="Image 6"/>
+          <p:cNvPicPr>
+            <a:picLocks noChangeAspect="1"/>
+          </p:cNvPicPr>
+          <p:nvPr/>
+        </p:nvPicPr>
+        <p:blipFill>
+          <a:blip r:embed="rId4"/>
+          <a:stretch>
+            <a:fillRect/>
+          </a:stretch>
+        </p:blipFill>
+        <p:spPr>
+          <a:xfrm>
+            <a:off x="5656881" y="1975046"/>
+            <a:ext cx="6106332" cy="4451401"/>
+          </a:xfrm>
+          <a:prstGeom prst="rect">
+            <a:avLst/>
+          </a:prstGeom>
+        </p:spPr>
+      </p:pic>
+    </p:spTree>
+    <p:extLst>
+      <p:ext uri="{BB962C8B-B14F-4D97-AF65-F5344CB8AC3E}">
+        <p14:creationId xmlns:p14="http://schemas.microsoft.com/office/powerpoint/2010/main" val="352482635"/>
+      </p:ext>
+    </p:extLst>
+  </p:cSld>
+  <p:clrMapOvr>
+    <a:masterClrMapping/>
+  </p:clrMapOvr>
+  <p:timing>
+    <p:tnLst>
+      <p:par>
+        <p:cTn id="1" dur="indefinite" restart="never" nodeType="tmRoot"/>
+      </p:par>
+    </p:tnLst>
+  </p:timing>
+</p:sld>
+</file>
+
+<file path=ppt/slides/slide13.xml><?xml version="1.0" encoding="utf-8"?>
+<p:sld xmlns:a="http://schemas.openxmlformats.org/drawingml/2006/main" xmlns:r="http://schemas.openxmlformats.org/officeDocument/2006/relationships" xmlns:p="http://schemas.openxmlformats.org/presentationml/2006/main">
+  <p:cSld>
+    <p:spTree>
+      <p:nvGrpSpPr>
+        <p:cNvPr id="1" name=""/>
+        <p:cNvGrpSpPr/>
+        <p:nvPr/>
+      </p:nvGrpSpPr>
+      <p:grpSpPr>
+        <a:xfrm>
+          <a:off x="0" y="0"/>
+          <a:ext cx="0" cy="0"/>
+          <a:chOff x="0" y="0"/>
+          <a:chExt cx="0" cy="0"/>
+        </a:xfrm>
+      </p:grpSpPr>
+      <p:pic>
+        <p:nvPicPr>
+          <p:cNvPr id="2" name="Image 1"/>
+          <p:cNvPicPr>
+            <a:picLocks noChangeAspect="1"/>
+          </p:cNvPicPr>
+          <p:nvPr/>
+        </p:nvPicPr>
+        <p:blipFill>
+          <a:blip r:embed="rId2"/>
+          <a:stretch>
+            <a:fillRect/>
+          </a:stretch>
+        </p:blipFill>
+        <p:spPr>
+          <a:xfrm>
+            <a:off x="1414221" y="4470615"/>
+            <a:ext cx="3505200" cy="1295400"/>
+          </a:xfrm>
+          <a:prstGeom prst="rect">
+            <a:avLst/>
+          </a:prstGeom>
+        </p:spPr>
+      </p:pic>
+      <p:sp>
+        <p:nvSpPr>
+          <p:cNvPr id="6" name="ZoneTexte 3"/>
+          <p:cNvSpPr txBox="1"/>
+          <p:nvPr/>
+        </p:nvSpPr>
+        <p:spPr>
+          <a:xfrm>
+            <a:off x="-721520" y="4856705"/>
+            <a:ext cx="3037872" cy="523220"/>
+          </a:xfrm>
+          <a:prstGeom prst="rect">
+            <a:avLst/>
+          </a:prstGeom>
+          <a:noFill/>
+        </p:spPr>
+        <p:txBody>
+          <a:bodyPr wrap="square" rtlCol="0">
+            <a:spAutoFit/>
+          </a:bodyPr>
+          <a:lstStyle>
+            <a:defPPr>
+              <a:defRPr lang="fr-FR"/>
+            </a:defPPr>
+            <a:lvl1pPr algn="ctr">
+              <a:defRPr>
+                <a:solidFill>
+                  <a:srgbClr val="FF0000"/>
+                </a:solidFill>
+              </a:defRPr>
+            </a:lvl1pPr>
+          </a:lstStyle>
+          <a:p>
+            <a:r>
+              <a:rPr lang="fr-FR" sz="2800" smtClean="0"/>
+              <a:t>Data </a:t>
+            </a:r>
+            <a:endParaRPr lang="fr-FR" sz="2800" dirty="0"/>
+          </a:p>
+        </p:txBody>
+      </p:sp>
+      <p:pic>
+        <p:nvPicPr>
+          <p:cNvPr id="3" name="Image 2"/>
+          <p:cNvPicPr>
+            <a:picLocks noChangeAspect="1"/>
+          </p:cNvPicPr>
+          <p:nvPr/>
+        </p:nvPicPr>
+        <p:blipFill>
+          <a:blip r:embed="rId3"/>
+          <a:stretch>
+            <a:fillRect/>
+          </a:stretch>
+        </p:blipFill>
+        <p:spPr>
+          <a:xfrm>
+            <a:off x="5927452" y="2134245"/>
+            <a:ext cx="6068236" cy="4393819"/>
+          </a:xfrm>
+          <a:prstGeom prst="rect">
+            <a:avLst/>
+          </a:prstGeom>
+        </p:spPr>
+      </p:pic>
+      <p:pic>
+        <p:nvPicPr>
+          <p:cNvPr id="5" name="Image 4"/>
+          <p:cNvPicPr>
+            <a:picLocks noChangeAspect="1"/>
+          </p:cNvPicPr>
+          <p:nvPr/>
+        </p:nvPicPr>
+        <p:blipFill>
+          <a:blip r:embed="rId4"/>
+          <a:stretch>
+            <a:fillRect/>
+          </a:stretch>
+        </p:blipFill>
+        <p:spPr>
+          <a:xfrm>
+            <a:off x="0" y="325547"/>
+            <a:ext cx="12192000" cy="1422608"/>
+          </a:xfrm>
+          <a:prstGeom prst="rect">
+            <a:avLst/>
+          </a:prstGeom>
+        </p:spPr>
+      </p:pic>
+    </p:spTree>
+    <p:extLst>
+      <p:ext uri="{BB962C8B-B14F-4D97-AF65-F5344CB8AC3E}">
+        <p14:creationId xmlns:p14="http://schemas.microsoft.com/office/powerpoint/2010/main" val="601191387"/>
+      </p:ext>
+    </p:extLst>
+  </p:cSld>
+  <p:clrMapOvr>
+    <a:masterClrMapping/>
+  </p:clrMapOvr>
+  <p:timing>
+    <p:tnLst>
+      <p:par>
+        <p:cTn id="1" dur="indefinite" restart="never" nodeType="tmRoot"/>
+      </p:par>
+    </p:tnLst>
+  </p:timing>
+</p:sld>
+</file>
+
+<file path=ppt/slides/slide14.xml><?xml version="1.0" encoding="utf-8"?>
+<p:sld xmlns:a="http://schemas.openxmlformats.org/drawingml/2006/main" xmlns:r="http://schemas.openxmlformats.org/officeDocument/2006/relationships" xmlns:p="http://schemas.openxmlformats.org/presentationml/2006/main">
+  <p:cSld>
+    <p:spTree>
+      <p:nvGrpSpPr>
+        <p:cNvPr id="1" name=""/>
+        <p:cNvGrpSpPr/>
+        <p:nvPr/>
+      </p:nvGrpSpPr>
+      <p:grpSpPr>
+        <a:xfrm>
+          <a:off x="0" y="0"/>
+          <a:ext cx="0" cy="0"/>
+          <a:chOff x="0" y="0"/>
+          <a:chExt cx="0" cy="0"/>
+        </a:xfrm>
+      </p:grpSpPr>
+      <p:pic>
+        <p:nvPicPr>
+          <p:cNvPr id="5" name="Image 4"/>
+          <p:cNvPicPr>
+            <a:picLocks noChangeAspect="1"/>
+          </p:cNvPicPr>
+          <p:nvPr/>
+        </p:nvPicPr>
+        <p:blipFill>
+          <a:blip r:embed="rId2">
+            <a:extLst>
+              <a:ext uri="{28A0092B-C50C-407E-A947-70E740481C1C}">
+                <a14:useLocalDpi xmlns:a14="http://schemas.microsoft.com/office/drawing/2010/main" val="0"/>
+              </a:ext>
+            </a:extLst>
+          </a:blip>
+          <a:stretch>
+            <a:fillRect/>
+          </a:stretch>
+        </p:blipFill>
+        <p:spPr>
+          <a:xfrm>
+            <a:off x="-2729949" y="6684"/>
+            <a:ext cx="16408795" cy="6858000"/>
+          </a:xfrm>
+          <a:prstGeom prst="rect">
+            <a:avLst/>
+          </a:prstGeom>
+        </p:spPr>
+      </p:pic>
+      <p:cxnSp>
+        <p:nvCxnSpPr>
+          <p:cNvPr id="9" name="Connecteur droit 8"/>
+          <p:cNvCxnSpPr/>
+          <p:nvPr/>
+        </p:nvCxnSpPr>
+        <p:spPr>
+          <a:xfrm>
+            <a:off x="6376353" y="2068407"/>
+            <a:ext cx="4702626" cy="0"/>
+          </a:xfrm>
+          <a:prstGeom prst="line">
+            <a:avLst/>
+          </a:prstGeom>
+          <a:ln>
+            <a:solidFill>
+              <a:schemeClr val="bg2">
+                <a:lumMod val="50000"/>
+              </a:schemeClr>
+            </a:solidFill>
+          </a:ln>
+        </p:spPr>
+        <p:style>
+          <a:lnRef idx="1">
+            <a:schemeClr val="accent1"/>
+          </a:lnRef>
+          <a:fillRef idx="0">
+            <a:schemeClr val="accent1"/>
+          </a:fillRef>
+          <a:effectRef idx="0">
+            <a:schemeClr val="accent1"/>
+          </a:effectRef>
+          <a:fontRef idx="minor">
+            <a:schemeClr val="tx1"/>
+          </a:fontRef>
+        </p:style>
+      </p:cxnSp>
+      <p:sp>
+        <p:nvSpPr>
+          <p:cNvPr id="10" name="ZoneTexte 9"/>
+          <p:cNvSpPr txBox="1"/>
+          <p:nvPr/>
+        </p:nvSpPr>
+        <p:spPr>
+          <a:xfrm>
+            <a:off x="7377839" y="1180491"/>
+            <a:ext cx="4814161" cy="646331"/>
+          </a:xfrm>
+          <a:prstGeom prst="rect">
+            <a:avLst/>
+          </a:prstGeom>
+          <a:noFill/>
+        </p:spPr>
+        <p:txBody>
+          <a:bodyPr wrap="square" rtlCol="0">
+            <a:spAutoFit/>
+          </a:bodyPr>
+          <a:lstStyle/>
+          <a:p>
+            <a:r>
+              <a:rPr lang="fr-FR" sz="3600" dirty="0" err="1" smtClean="0"/>
+              <a:t>Useful</a:t>
+            </a:r>
+            <a:r>
+              <a:rPr lang="fr-FR" sz="3600" dirty="0" smtClean="0"/>
+              <a:t> </a:t>
+            </a:r>
+            <a:r>
+              <a:rPr lang="fr-FR" sz="3600" dirty="0" err="1" smtClean="0"/>
+              <a:t>link</a:t>
+            </a:r>
+            <a:endParaRPr lang="fr-FR" sz="3600" dirty="0"/>
+          </a:p>
+        </p:txBody>
+      </p:sp>
+      <p:sp>
+        <p:nvSpPr>
+          <p:cNvPr id="6" name="Rectangle 5">
+            <a:hlinkClick r:id="rId3"/>
+          </p:cNvPr>
+          <p:cNvSpPr/>
+          <p:nvPr/>
+        </p:nvSpPr>
+        <p:spPr>
+          <a:xfrm>
+            <a:off x="8831677" y="3393150"/>
+            <a:ext cx="516488" cy="369332"/>
+          </a:xfrm>
+          <a:prstGeom prst="rect">
+            <a:avLst/>
+          </a:prstGeom>
+          <a:ln>
+            <a:solidFill>
+              <a:schemeClr val="accent1"/>
+            </a:solidFill>
+          </a:ln>
+        </p:spPr>
+        <p:txBody>
+          <a:bodyPr wrap="none">
+            <a:spAutoFit/>
+          </a:bodyPr>
+          <a:lstStyle/>
+          <a:p>
+            <a:r>
+              <a:rPr lang="en-AU" dirty="0" smtClean="0">
+                <a:solidFill>
+                  <a:schemeClr val="accent1">
+                    <a:lumMod val="75000"/>
+                  </a:schemeClr>
+                </a:solidFill>
+                <a:hlinkClick r:id="rId4"/>
+              </a:rPr>
+              <a:t>link</a:t>
+            </a:r>
+            <a:endParaRPr lang="en-AU" dirty="0">
+              <a:solidFill>
+                <a:schemeClr val="accent1">
+                  <a:lumMod val="75000"/>
+                </a:schemeClr>
+              </a:solidFill>
+            </a:endParaRPr>
+          </a:p>
+        </p:txBody>
+      </p:sp>
+      <p:sp>
+        <p:nvSpPr>
+          <p:cNvPr id="7" name="Rectangle 6"/>
+          <p:cNvSpPr/>
+          <p:nvPr/>
+        </p:nvSpPr>
+        <p:spPr>
+          <a:xfrm>
+            <a:off x="6718372" y="3315108"/>
+            <a:ext cx="1931747" cy="523220"/>
+          </a:xfrm>
+          <a:prstGeom prst="rect">
+            <a:avLst/>
+          </a:prstGeom>
+        </p:spPr>
+        <p:txBody>
+          <a:bodyPr wrap="none">
+            <a:spAutoFit/>
+          </a:bodyPr>
+          <a:lstStyle/>
+          <a:p>
+            <a:r>
+              <a:rPr lang="fr-FR" sz="2800" dirty="0" err="1" smtClean="0"/>
+              <a:t>Cheatsheet</a:t>
+            </a:r>
+            <a:r>
+              <a:rPr lang="fr-FR" sz="2800" dirty="0" smtClean="0"/>
+              <a:t>:</a:t>
+            </a:r>
+            <a:endParaRPr lang="fr-FR" sz="2800" dirty="0"/>
+          </a:p>
+        </p:txBody>
+      </p:sp>
+      <p:sp>
+        <p:nvSpPr>
+          <p:cNvPr id="11" name="Rectangle 10">
+            <a:hlinkClick r:id="rId3"/>
+          </p:cNvPr>
+          <p:cNvSpPr/>
+          <p:nvPr/>
+        </p:nvSpPr>
+        <p:spPr>
+          <a:xfrm>
+            <a:off x="8831677" y="4145124"/>
+            <a:ext cx="516488" cy="369332"/>
+          </a:xfrm>
+          <a:prstGeom prst="rect">
+            <a:avLst/>
+          </a:prstGeom>
+          <a:ln>
+            <a:solidFill>
+              <a:schemeClr val="accent1"/>
+            </a:solidFill>
+          </a:ln>
+        </p:spPr>
+        <p:txBody>
+          <a:bodyPr wrap="none">
+            <a:spAutoFit/>
+          </a:bodyPr>
+          <a:lstStyle/>
+          <a:p>
+            <a:r>
+              <a:rPr lang="en-AU" dirty="0" smtClean="0">
+                <a:solidFill>
+                  <a:schemeClr val="accent1">
+                    <a:lumMod val="75000"/>
+                  </a:schemeClr>
+                </a:solidFill>
+                <a:hlinkClick r:id="rId5"/>
+              </a:rPr>
+              <a:t>link</a:t>
+            </a:r>
+            <a:endParaRPr lang="en-AU" dirty="0">
+              <a:solidFill>
+                <a:schemeClr val="accent1">
+                  <a:lumMod val="75000"/>
+                </a:schemeClr>
+              </a:solidFill>
+            </a:endParaRPr>
+          </a:p>
+        </p:txBody>
+      </p:sp>
+      <p:sp>
+        <p:nvSpPr>
+          <p:cNvPr id="12" name="Rectangle 11"/>
+          <p:cNvSpPr/>
+          <p:nvPr/>
+        </p:nvSpPr>
+        <p:spPr>
+          <a:xfrm>
+            <a:off x="7462289" y="4005283"/>
+            <a:ext cx="1159292" cy="523220"/>
+          </a:xfrm>
+          <a:prstGeom prst="rect">
+            <a:avLst/>
+          </a:prstGeom>
+        </p:spPr>
+        <p:txBody>
+          <a:bodyPr wrap="none">
+            <a:spAutoFit/>
+          </a:bodyPr>
+          <a:lstStyle/>
+          <a:p>
+            <a:r>
+              <a:rPr lang="fr-FR" sz="2800" smtClean="0"/>
+              <a:t>Home:</a:t>
+            </a:r>
+            <a:endParaRPr lang="fr-FR" sz="2800" dirty="0"/>
+          </a:p>
+        </p:txBody>
+      </p:sp>
+      <p:sp>
+        <p:nvSpPr>
+          <p:cNvPr id="13" name="Rectangle 12">
+            <a:hlinkClick r:id="rId3"/>
+          </p:cNvPr>
+          <p:cNvSpPr/>
+          <p:nvPr/>
+        </p:nvSpPr>
+        <p:spPr>
+          <a:xfrm>
+            <a:off x="8831677" y="4773501"/>
+            <a:ext cx="2056269" cy="369332"/>
+          </a:xfrm>
+          <a:prstGeom prst="rect">
+            <a:avLst/>
+          </a:prstGeom>
+          <a:ln>
+            <a:solidFill>
+              <a:schemeClr val="accent1"/>
+            </a:solidFill>
+          </a:ln>
+        </p:spPr>
+        <p:txBody>
+          <a:bodyPr wrap="none">
+            <a:spAutoFit/>
+          </a:bodyPr>
+          <a:lstStyle/>
+          <a:p>
+            <a:r>
+              <a:rPr lang="en-AU" dirty="0" smtClean="0">
+                <a:solidFill>
+                  <a:schemeClr val="accent1">
+                    <a:lumMod val="75000"/>
+                  </a:schemeClr>
+                </a:solidFill>
+              </a:rPr>
+              <a:t>R-graph-</a:t>
+            </a:r>
+            <a:r>
+              <a:rPr lang="en-AU" dirty="0" err="1" smtClean="0">
+                <a:solidFill>
+                  <a:schemeClr val="accent1">
+                    <a:lumMod val="75000"/>
+                  </a:schemeClr>
+                </a:solidFill>
+              </a:rPr>
+              <a:t>gallery.com</a:t>
+            </a:r>
+            <a:endParaRPr lang="en-AU" dirty="0">
+              <a:solidFill>
+                <a:schemeClr val="accent1">
+                  <a:lumMod val="75000"/>
+                </a:schemeClr>
+              </a:solidFill>
+            </a:endParaRPr>
+          </a:p>
+        </p:txBody>
+      </p:sp>
+      <p:sp>
+        <p:nvSpPr>
+          <p:cNvPr id="14" name="Rectangle 13"/>
+          <p:cNvSpPr/>
+          <p:nvPr/>
+        </p:nvSpPr>
+        <p:spPr>
+          <a:xfrm>
+            <a:off x="6097360" y="4695458"/>
+            <a:ext cx="2560957" cy="523220"/>
+          </a:xfrm>
+          <a:prstGeom prst="rect">
+            <a:avLst/>
+          </a:prstGeom>
+        </p:spPr>
+        <p:txBody>
+          <a:bodyPr wrap="none">
+            <a:spAutoFit/>
+          </a:bodyPr>
+          <a:lstStyle/>
+          <a:p>
+            <a:r>
+              <a:rPr lang="fr-FR" sz="2800" dirty="0" smtClean="0"/>
+              <a:t>R Graph </a:t>
+            </a:r>
+            <a:r>
+              <a:rPr lang="fr-FR" sz="2800" dirty="0" err="1" smtClean="0"/>
+              <a:t>Gallery</a:t>
+            </a:r>
+            <a:r>
+              <a:rPr lang="fr-FR" sz="2800" dirty="0" smtClean="0"/>
+              <a:t>:</a:t>
+            </a:r>
+            <a:endParaRPr lang="fr-FR" sz="2800" dirty="0"/>
+          </a:p>
+        </p:txBody>
+      </p:sp>
+      <p:cxnSp>
+        <p:nvCxnSpPr>
+          <p:cNvPr id="15" name="Connecteur droit 14"/>
+          <p:cNvCxnSpPr/>
+          <p:nvPr/>
+        </p:nvCxnSpPr>
+        <p:spPr>
+          <a:xfrm>
+            <a:off x="-1001486" y="2068407"/>
+            <a:ext cx="4702626" cy="0"/>
+          </a:xfrm>
+          <a:prstGeom prst="line">
+            <a:avLst/>
+          </a:prstGeom>
+          <a:ln>
+            <a:solidFill>
+              <a:schemeClr val="bg2">
+                <a:lumMod val="50000"/>
+              </a:schemeClr>
+            </a:solidFill>
+          </a:ln>
+        </p:spPr>
+        <p:style>
+          <a:lnRef idx="1">
+            <a:schemeClr val="accent1"/>
+          </a:lnRef>
+          <a:fillRef idx="0">
+            <a:schemeClr val="accent1"/>
+          </a:fillRef>
+          <a:effectRef idx="0">
+            <a:schemeClr val="accent1"/>
+          </a:effectRef>
+          <a:fontRef idx="minor">
+            <a:schemeClr val="tx1"/>
+          </a:fontRef>
+        </p:style>
+      </p:cxnSp>
+      <p:sp>
+        <p:nvSpPr>
+          <p:cNvPr id="16" name="ZoneTexte 15"/>
+          <p:cNvSpPr txBox="1"/>
+          <p:nvPr/>
+        </p:nvSpPr>
+        <p:spPr>
+          <a:xfrm>
+            <a:off x="-356461" y="1180491"/>
+            <a:ext cx="4814161" cy="646331"/>
+          </a:xfrm>
+          <a:prstGeom prst="rect">
+            <a:avLst/>
+          </a:prstGeom>
+          <a:noFill/>
+        </p:spPr>
+        <p:txBody>
+          <a:bodyPr wrap="square" rtlCol="0">
+            <a:spAutoFit/>
+          </a:bodyPr>
+          <a:lstStyle/>
+          <a:p>
+            <a:r>
+              <a:rPr lang="fr-FR" sz="3600" dirty="0" err="1" smtClean="0"/>
+              <a:t>Learn</a:t>
+            </a:r>
+            <a:r>
+              <a:rPr lang="fr-FR" sz="3600" dirty="0" smtClean="0"/>
+              <a:t> by </a:t>
+            </a:r>
+            <a:r>
+              <a:rPr lang="fr-FR" sz="3600" dirty="0" err="1" smtClean="0"/>
+              <a:t>doing</a:t>
+            </a:r>
+            <a:endParaRPr lang="fr-FR" sz="3600" dirty="0"/>
+          </a:p>
+        </p:txBody>
+      </p:sp>
+      <p:sp>
+        <p:nvSpPr>
+          <p:cNvPr id="17" name="Rectangle 16">
+            <a:hlinkClick r:id="rId3"/>
+          </p:cNvPr>
+          <p:cNvSpPr/>
+          <p:nvPr/>
+        </p:nvSpPr>
+        <p:spPr>
+          <a:xfrm>
+            <a:off x="-999266" y="3560349"/>
+            <a:ext cx="4130874" cy="584775"/>
+          </a:xfrm>
+          <a:prstGeom prst="rect">
+            <a:avLst/>
+          </a:prstGeom>
+          <a:ln>
+            <a:solidFill>
+              <a:schemeClr val="accent1"/>
+            </a:solidFill>
+          </a:ln>
+        </p:spPr>
+        <p:txBody>
+          <a:bodyPr wrap="none">
+            <a:spAutoFit/>
+          </a:bodyPr>
+          <a:lstStyle/>
+          <a:p>
+            <a:r>
+              <a:rPr lang="en-AU" sz="3200" dirty="0" smtClean="0">
+                <a:solidFill>
+                  <a:schemeClr val="accent1">
+                    <a:lumMod val="75000"/>
+                  </a:schemeClr>
+                </a:solidFill>
+              </a:rPr>
+              <a:t>Yan-</a:t>
+            </a:r>
+            <a:r>
+              <a:rPr lang="en-AU" sz="3200" dirty="0" err="1" smtClean="0">
+                <a:solidFill>
+                  <a:schemeClr val="accent1">
+                    <a:lumMod val="75000"/>
+                  </a:schemeClr>
+                </a:solidFill>
+              </a:rPr>
+              <a:t>holtz.com</a:t>
+            </a:r>
+            <a:r>
+              <a:rPr lang="en-AU" sz="3200" dirty="0" smtClean="0">
+                <a:solidFill>
+                  <a:schemeClr val="accent1">
+                    <a:lumMod val="75000"/>
+                  </a:schemeClr>
+                </a:solidFill>
+              </a:rPr>
+              <a:t>/teaching</a:t>
+            </a:r>
+            <a:endParaRPr lang="en-AU" dirty="0">
+              <a:solidFill>
+                <a:schemeClr val="accent1">
+                  <a:lumMod val="75000"/>
+                </a:schemeClr>
+              </a:solidFill>
+            </a:endParaRPr>
+          </a:p>
+        </p:txBody>
+      </p:sp>
+    </p:spTree>
+    <p:extLst>
+      <p:ext uri="{BB962C8B-B14F-4D97-AF65-F5344CB8AC3E}">
+        <p14:creationId xmlns:p14="http://schemas.microsoft.com/office/powerpoint/2010/main" val="1611368735"/>
+      </p:ext>
+    </p:extLst>
+  </p:cSld>
+  <p:clrMapOvr>
+    <a:masterClrMapping/>
+  </p:clrMapOvr>
+  <p:timing>
+    <p:tnLst>
+      <p:par>
+        <p:cTn id="1" dur="indefinite" restart="never" nodeType="tmRoot"/>
+      </p:par>
+    </p:tnLst>
+  </p:timing>
+</p:sld>
+</file>
+
+<file path=ppt/slides/slide15.xml><?xml version="1.0" encoding="utf-8"?>
+<p:sld xmlns:a="http://schemas.openxmlformats.org/drawingml/2006/main" xmlns:r="http://schemas.openxmlformats.org/officeDocument/2006/relationships" xmlns:p="http://schemas.openxmlformats.org/presentationml/2006/main">
+  <p:cSld>
+    <p:spTree>
+      <p:nvGrpSpPr>
+        <p:cNvPr id="1" name=""/>
+        <p:cNvGrpSpPr/>
+        <p:nvPr/>
+      </p:nvGrpSpPr>
+      <p:grpSpPr>
+        <a:xfrm>
+          <a:off x="0" y="0"/>
+          <a:ext cx="0" cy="0"/>
+          <a:chOff x="0" y="0"/>
+          <a:chExt cx="0" cy="0"/>
+        </a:xfrm>
+      </p:grpSpPr>
+      <p:pic>
+        <p:nvPicPr>
+          <p:cNvPr id="20" name="Image 19"/>
+          <p:cNvPicPr>
+            <a:picLocks noChangeAspect="1"/>
+          </p:cNvPicPr>
+          <p:nvPr/>
+        </p:nvPicPr>
+        <p:blipFill>
+          <a:blip r:embed="rId3">
+            <a:extLst>
+              <a:ext uri="{28A0092B-C50C-407E-A947-70E740481C1C}">
+                <a14:useLocalDpi xmlns:a14="http://schemas.microsoft.com/office/drawing/2010/main" val="0"/>
+              </a:ext>
+            </a:extLst>
+          </a:blip>
+          <a:stretch>
+            <a:fillRect/>
+          </a:stretch>
+        </p:blipFill>
+        <p:spPr>
+          <a:xfrm>
+            <a:off x="-2729949" y="6684"/>
+            <a:ext cx="16408795" cy="6858000"/>
+          </a:xfrm>
+          <a:prstGeom prst="rect">
+            <a:avLst/>
+          </a:prstGeom>
+        </p:spPr>
+      </p:pic>
+      <p:cxnSp>
+        <p:nvCxnSpPr>
+          <p:cNvPr id="9" name="Connecteur droit 8"/>
+          <p:cNvCxnSpPr/>
+          <p:nvPr/>
+        </p:nvCxnSpPr>
+        <p:spPr>
+          <a:xfrm>
+            <a:off x="3837117" y="1809700"/>
+            <a:ext cx="4702626" cy="0"/>
+          </a:xfrm>
+          <a:prstGeom prst="line">
+            <a:avLst/>
+          </a:prstGeom>
+          <a:ln>
+            <a:solidFill>
+              <a:schemeClr val="bg2">
+                <a:lumMod val="50000"/>
+              </a:schemeClr>
+            </a:solidFill>
+          </a:ln>
+        </p:spPr>
+        <p:style>
+          <a:lnRef idx="1">
+            <a:schemeClr val="accent1"/>
+          </a:lnRef>
+          <a:fillRef idx="0">
+            <a:schemeClr val="accent1"/>
+          </a:fillRef>
+          <a:effectRef idx="0">
+            <a:schemeClr val="accent1"/>
+          </a:effectRef>
+          <a:fontRef idx="minor">
+            <a:schemeClr val="tx1"/>
+          </a:fontRef>
+        </p:style>
+      </p:cxnSp>
+      <p:sp>
+        <p:nvSpPr>
+          <p:cNvPr id="10" name="ZoneTexte 9"/>
+          <p:cNvSpPr txBox="1"/>
+          <p:nvPr/>
+        </p:nvSpPr>
+        <p:spPr>
+          <a:xfrm>
+            <a:off x="4969231" y="921784"/>
+            <a:ext cx="4814161" cy="646331"/>
+          </a:xfrm>
+          <a:prstGeom prst="rect">
+            <a:avLst/>
+          </a:prstGeom>
+          <a:noFill/>
+        </p:spPr>
+        <p:txBody>
+          <a:bodyPr wrap="square" rtlCol="0">
+            <a:spAutoFit/>
+          </a:bodyPr>
+          <a:lstStyle/>
+          <a:p>
+            <a:r>
+              <a:rPr lang="fr-FR" sz="3600" dirty="0" err="1" smtClean="0"/>
+              <a:t>Thanks</a:t>
+            </a:r>
+            <a:endParaRPr lang="fr-FR" sz="3600" dirty="0"/>
+          </a:p>
+        </p:txBody>
+      </p:sp>
+      <p:sp>
+        <p:nvSpPr>
+          <p:cNvPr id="5" name="Rectangle 4">
+            <a:hlinkClick r:id="rId4"/>
+          </p:cNvPr>
+          <p:cNvSpPr/>
+          <p:nvPr/>
+        </p:nvSpPr>
+        <p:spPr>
+          <a:xfrm>
+            <a:off x="3659005" y="3829565"/>
+            <a:ext cx="1943481" cy="369332"/>
+          </a:xfrm>
+          <a:prstGeom prst="rect">
+            <a:avLst/>
+          </a:prstGeom>
+          <a:ln>
+            <a:solidFill>
+              <a:schemeClr val="accent1"/>
+            </a:solidFill>
+          </a:ln>
+        </p:spPr>
+        <p:txBody>
+          <a:bodyPr wrap="none">
+            <a:spAutoFit/>
+          </a:bodyPr>
+          <a:lstStyle/>
+          <a:p>
+            <a:r>
+              <a:rPr lang="en-AU" dirty="0" smtClean="0">
+                <a:solidFill>
+                  <a:schemeClr val="accent1">
+                    <a:lumMod val="75000"/>
+                  </a:schemeClr>
+                </a:solidFill>
+                <a:hlinkClick r:id="rId5"/>
+              </a:rPr>
+              <a:t>Yan-holtz/teaching</a:t>
+            </a:r>
+            <a:endParaRPr lang="en-AU" dirty="0">
+              <a:solidFill>
+                <a:schemeClr val="accent1">
+                  <a:lumMod val="75000"/>
+                </a:schemeClr>
+              </a:solidFill>
+            </a:endParaRPr>
+          </a:p>
+        </p:txBody>
+      </p:sp>
+      <p:sp>
+        <p:nvSpPr>
+          <p:cNvPr id="2" name="Rectangle 1"/>
+          <p:cNvSpPr/>
+          <p:nvPr/>
+        </p:nvSpPr>
+        <p:spPr>
+          <a:xfrm>
+            <a:off x="2242386" y="3752621"/>
+            <a:ext cx="1117614" cy="523220"/>
+          </a:xfrm>
+          <a:prstGeom prst="rect">
+            <a:avLst/>
+          </a:prstGeom>
+        </p:spPr>
+        <p:txBody>
+          <a:bodyPr wrap="none">
+            <a:spAutoFit/>
+          </a:bodyPr>
+          <a:lstStyle/>
+          <a:p>
+            <a:r>
+              <a:rPr lang="fr-FR" sz="2800" dirty="0" smtClean="0"/>
+              <a:t>Slides:</a:t>
+            </a:r>
+            <a:endParaRPr lang="fr-FR" sz="2800" dirty="0"/>
+          </a:p>
+        </p:txBody>
+      </p:sp>
+      <p:sp>
+        <p:nvSpPr>
+          <p:cNvPr id="14" name="TextBox 6"/>
+          <p:cNvSpPr txBox="1"/>
+          <p:nvPr/>
+        </p:nvSpPr>
+        <p:spPr>
+          <a:xfrm>
+            <a:off x="7703068" y="2759996"/>
+            <a:ext cx="3485856" cy="1200329"/>
+          </a:xfrm>
+          <a:prstGeom prst="rect">
+            <a:avLst/>
+          </a:prstGeom>
+          <a:noFill/>
+        </p:spPr>
+        <p:txBody>
+          <a:bodyPr wrap="square" rtlCol="0">
+            <a:spAutoFit/>
+          </a:bodyPr>
+          <a:lstStyle/>
+          <a:p>
+            <a:r>
+              <a:rPr lang="en-US" sz="2400" dirty="0" smtClean="0">
+                <a:hlinkClick r:id="rId6"/>
+              </a:rPr>
+              <a:t>Yan.holtz.data@gmail.com</a:t>
+            </a:r>
+            <a:endParaRPr lang="en-US" sz="2400" dirty="0" smtClean="0"/>
+          </a:p>
+          <a:p>
+            <a:endParaRPr lang="en-US" sz="2400" dirty="0"/>
+          </a:p>
+          <a:p>
+            <a:r>
+              <a:rPr lang="en-US" sz="2400" dirty="0" err="1" smtClean="0"/>
+              <a:t>www.yan-holtz.com</a:t>
+            </a:r>
+            <a:endParaRPr lang="en-US" sz="2400" dirty="0"/>
+          </a:p>
+        </p:txBody>
+      </p:sp>
+      <p:pic>
+        <p:nvPicPr>
+          <p:cNvPr id="15" name="Picture 8"/>
+          <p:cNvPicPr>
+            <a:picLocks noChangeAspect="1"/>
+          </p:cNvPicPr>
+          <p:nvPr/>
+        </p:nvPicPr>
+        <p:blipFill>
+          <a:blip r:embed="rId7"/>
+          <a:stretch>
+            <a:fillRect/>
+          </a:stretch>
+        </p:blipFill>
+        <p:spPr>
+          <a:xfrm>
+            <a:off x="6866161" y="4242277"/>
+            <a:ext cx="406182" cy="363025"/>
+          </a:xfrm>
+          <a:prstGeom prst="rect">
+            <a:avLst/>
+          </a:prstGeom>
+        </p:spPr>
+      </p:pic>
+      <p:pic>
+        <p:nvPicPr>
+          <p:cNvPr id="16" name="Picture 9"/>
+          <p:cNvPicPr>
+            <a:picLocks noChangeAspect="1"/>
+          </p:cNvPicPr>
+          <p:nvPr/>
+        </p:nvPicPr>
+        <p:blipFill>
+          <a:blip r:embed="rId8"/>
+          <a:stretch>
+            <a:fillRect/>
+          </a:stretch>
+        </p:blipFill>
+        <p:spPr>
+          <a:xfrm>
+            <a:off x="6866161" y="2839447"/>
+            <a:ext cx="379473" cy="294937"/>
+          </a:xfrm>
+          <a:prstGeom prst="rect">
+            <a:avLst/>
+          </a:prstGeom>
+        </p:spPr>
+      </p:pic>
+      <p:sp>
+        <p:nvSpPr>
+          <p:cNvPr id="17" name="TextBox 11"/>
+          <p:cNvSpPr txBox="1"/>
+          <p:nvPr/>
+        </p:nvSpPr>
+        <p:spPr>
+          <a:xfrm>
+            <a:off x="7511253" y="4198897"/>
+            <a:ext cx="3485856" cy="1200329"/>
+          </a:xfrm>
+          <a:prstGeom prst="rect">
+            <a:avLst/>
+          </a:prstGeom>
+          <a:noFill/>
+        </p:spPr>
+        <p:txBody>
+          <a:bodyPr wrap="square" rtlCol="0">
+            <a:spAutoFit/>
+          </a:bodyPr>
+          <a:lstStyle/>
+          <a:p>
+            <a:r>
+              <a:rPr lang="en-US" sz="2400" dirty="0" smtClean="0"/>
+              <a:t>@</a:t>
+            </a:r>
+            <a:r>
+              <a:rPr lang="en-US" sz="2400" dirty="0" err="1" smtClean="0"/>
+              <a:t>R_Graph_Gallery</a:t>
+            </a:r>
+            <a:r>
+              <a:rPr lang="en-US" sz="2400" dirty="0" smtClean="0"/>
+              <a:t> </a:t>
+            </a:r>
+          </a:p>
+          <a:p>
+            <a:endParaRPr lang="en-US" sz="2400" dirty="0"/>
+          </a:p>
+          <a:p>
+            <a:r>
+              <a:rPr lang="en-US" sz="2400" dirty="0" smtClean="0">
+                <a:hlinkClick r:id="rId6"/>
+              </a:rPr>
+              <a:t>github.com/holtzy</a:t>
+            </a:r>
+            <a:endParaRPr lang="en-US" sz="2400" dirty="0">
+              <a:hlinkClick r:id="rId6"/>
+            </a:endParaRPr>
+          </a:p>
+        </p:txBody>
+      </p:sp>
+      <p:pic>
+        <p:nvPicPr>
+          <p:cNvPr id="18" name="Picture 14"/>
+          <p:cNvPicPr>
+            <a:picLocks noChangeAspect="1"/>
+          </p:cNvPicPr>
+          <p:nvPr/>
+        </p:nvPicPr>
+        <p:blipFill>
+          <a:blip r:embed="rId9">
+            <a:extLst>
+              <a:ext uri="{28A0092B-C50C-407E-A947-70E740481C1C}">
+                <a14:useLocalDpi xmlns:a14="http://schemas.microsoft.com/office/drawing/2010/main" val="0"/>
+              </a:ext>
+            </a:extLst>
+          </a:blip>
+          <a:stretch>
+            <a:fillRect/>
+          </a:stretch>
+        </p:blipFill>
+        <p:spPr>
+          <a:xfrm>
+            <a:off x="6892566" y="3477725"/>
+            <a:ext cx="390782" cy="398756"/>
+          </a:xfrm>
+          <a:prstGeom prst="rect">
+            <a:avLst/>
+          </a:prstGeom>
+        </p:spPr>
+      </p:pic>
+      <p:pic>
+        <p:nvPicPr>
+          <p:cNvPr id="19" name="Image 18"/>
+          <p:cNvPicPr>
+            <a:picLocks noChangeAspect="1"/>
+          </p:cNvPicPr>
+          <p:nvPr/>
+        </p:nvPicPr>
+        <p:blipFill>
+          <a:blip r:embed="rId10">
+            <a:extLst>
+              <a:ext uri="{28A0092B-C50C-407E-A947-70E740481C1C}">
+                <a14:useLocalDpi xmlns:a14="http://schemas.microsoft.com/office/drawing/2010/main" val="0"/>
+              </a:ext>
+            </a:extLst>
+          </a:blip>
+          <a:stretch>
+            <a:fillRect/>
+          </a:stretch>
+        </p:blipFill>
+        <p:spPr>
+          <a:xfrm>
+            <a:off x="6844972" y="4916626"/>
+            <a:ext cx="466558" cy="466558"/>
+          </a:xfrm>
+          <a:prstGeom prst="rect">
+            <a:avLst/>
+          </a:prstGeom>
+        </p:spPr>
+      </p:pic>
+    </p:spTree>
+    <p:extLst>
+      <p:ext uri="{BB962C8B-B14F-4D97-AF65-F5344CB8AC3E}">
+        <p14:creationId xmlns:p14="http://schemas.microsoft.com/office/powerpoint/2010/main" val="565921796"/>
       </p:ext>
     </p:extLst>
   </p:cSld>
@@ -3655,16 +5214,76 @@
           <a:chExt cx="0" cy="0"/>
         </a:xfrm>
       </p:grpSpPr>
-      <p:sp>
-        <p:nvSpPr>
-          <p:cNvPr id="2" name="ZoneTexte 1"/>
+      <p:pic>
+        <p:nvPicPr>
+          <p:cNvPr id="4" name="Image 3"/>
+          <p:cNvPicPr>
+            <a:picLocks noChangeAspect="1"/>
+          </p:cNvPicPr>
+          <p:nvPr/>
+        </p:nvPicPr>
+        <p:blipFill>
+          <a:blip r:embed="rId2">
+            <a:extLst>
+              <a:ext uri="{28A0092B-C50C-407E-A947-70E740481C1C}">
+                <a14:useLocalDpi xmlns:a14="http://schemas.microsoft.com/office/drawing/2010/main" val="0"/>
+              </a:ext>
+            </a:extLst>
+          </a:blip>
+          <a:stretch>
+            <a:fillRect/>
+          </a:stretch>
+        </p:blipFill>
+        <p:spPr>
+          <a:xfrm>
+            <a:off x="8725543" y="1682880"/>
+            <a:ext cx="1456841" cy="1681882"/>
+          </a:xfrm>
+          <a:prstGeom prst="rect">
+            <a:avLst/>
+          </a:prstGeom>
+        </p:spPr>
+      </p:pic>
+      <p:pic>
+        <p:nvPicPr>
+          <p:cNvPr id="5" name="Image 4"/>
+          <p:cNvPicPr>
+            <a:picLocks noChangeAspect="1"/>
+          </p:cNvPicPr>
+          <p:nvPr/>
+        </p:nvPicPr>
+        <p:blipFill>
+          <a:blip r:embed="rId3">
+            <a:extLst>
+              <a:ext uri="{28A0092B-C50C-407E-A947-70E740481C1C}">
+                <a14:useLocalDpi xmlns:a14="http://schemas.microsoft.com/office/drawing/2010/main" val="0"/>
+              </a:ext>
+            </a:extLst>
+          </a:blip>
+          <a:stretch>
+            <a:fillRect/>
+          </a:stretch>
+        </p:blipFill>
+        <p:spPr>
+          <a:xfrm>
+            <a:off x="4479009" y="402273"/>
+            <a:ext cx="2050657" cy="1589259"/>
+          </a:xfrm>
+          <a:prstGeom prst="rect">
+            <a:avLst/>
+          </a:prstGeom>
+        </p:spPr>
+      </p:pic>
+      <p:sp>
+        <p:nvSpPr>
+          <p:cNvPr id="6" name="ZoneTexte 5"/>
           <p:cNvSpPr txBox="1"/>
           <p:nvPr/>
         </p:nvSpPr>
         <p:spPr>
           <a:xfrm>
-            <a:off x="421675" y="699740"/>
-            <a:ext cx="4952430" cy="5693866"/>
+            <a:off x="2200759" y="2523821"/>
+            <a:ext cx="1410346" cy="584775"/>
           </a:xfrm>
           <a:prstGeom prst="rect">
             <a:avLst/>
@@ -3678,181 +5297,85 @@
           <a:lstStyle/>
           <a:p>
             <a:r>
-              <a:rPr lang="en-CA" sz="4400" dirty="0" smtClean="0">
-                <a:solidFill>
-                  <a:schemeClr val="accent2">
-                    <a:lumMod val="75000"/>
-                  </a:schemeClr>
-                </a:solidFill>
-              </a:rPr>
-              <a:t>What</a:t>
-            </a:r>
-          </a:p>
-          <a:p>
-            <a:endParaRPr lang="en-CA" sz="3200" dirty="0" smtClean="0"/>
-          </a:p>
-          <a:p>
-            <a:pPr algn="ctr"/>
-            <a:r>
-              <a:rPr lang="en-CA" sz="3200" dirty="0" smtClean="0"/>
-              <a:t>“ An </a:t>
-            </a:r>
-            <a:r>
-              <a:rPr lang="en-CA" sz="3200" dirty="0"/>
-              <a:t>R Markdown (.</a:t>
-            </a:r>
-            <a:r>
-              <a:rPr lang="en-CA" sz="3200" dirty="0" err="1"/>
-              <a:t>Rmd</a:t>
-            </a:r>
-            <a:r>
-              <a:rPr lang="en-CA" sz="3200" dirty="0"/>
-              <a:t>) file is a record of your research. It contains the </a:t>
-            </a:r>
-            <a:r>
-              <a:rPr lang="en-CA" sz="3200" b="1" dirty="0">
-                <a:solidFill>
-                  <a:schemeClr val="accent2">
-                    <a:lumMod val="75000"/>
-                  </a:schemeClr>
-                </a:solidFill>
-              </a:rPr>
-              <a:t>code</a:t>
-            </a:r>
-            <a:r>
-              <a:rPr lang="en-CA" sz="3200" dirty="0"/>
-              <a:t> that a scientist needs to reproduce your work along with the </a:t>
-            </a:r>
-            <a:r>
-              <a:rPr lang="en-CA" sz="3200" b="1" dirty="0">
-                <a:solidFill>
-                  <a:schemeClr val="accent2">
-                    <a:lumMod val="75000"/>
-                  </a:schemeClr>
-                </a:solidFill>
-              </a:rPr>
-              <a:t>narration</a:t>
-            </a:r>
-            <a:r>
-              <a:rPr lang="en-CA" sz="3200" dirty="0"/>
-              <a:t> that a reader needs to understand your work. </a:t>
-            </a:r>
-            <a:r>
-              <a:rPr lang="en-CA" sz="3200" dirty="0" smtClean="0"/>
-              <a:t>“</a:t>
-            </a:r>
-            <a:endParaRPr lang="en-CA" sz="3200" dirty="0"/>
-          </a:p>
-          <a:p>
-            <a:endParaRPr lang="en-CA" sz="3200" dirty="0" smtClean="0"/>
-          </a:p>
-        </p:txBody>
-      </p:sp>
-      <p:sp>
-        <p:nvSpPr>
-          <p:cNvPr id="3" name="ZoneTexte 2"/>
-          <p:cNvSpPr txBox="1"/>
-          <p:nvPr/>
-        </p:nvSpPr>
-        <p:spPr>
-          <a:xfrm>
-            <a:off x="6573823" y="699740"/>
-            <a:ext cx="4952430" cy="4708981"/>
-          </a:xfrm>
-          <a:prstGeom prst="rect">
-            <a:avLst/>
-          </a:prstGeom>
-          <a:noFill/>
-        </p:spPr>
-        <p:txBody>
-          <a:bodyPr wrap="square" rtlCol="0">
-            <a:spAutoFit/>
-          </a:bodyPr>
-          <a:lstStyle/>
-          <a:p>
-            <a:r>
-              <a:rPr lang="en-CA" sz="4400" dirty="0" smtClean="0">
-                <a:solidFill>
-                  <a:schemeClr val="accent2">
-                    <a:lumMod val="75000"/>
-                  </a:schemeClr>
-                </a:solidFill>
-              </a:rPr>
-              <a:t>Why</a:t>
-            </a:r>
-          </a:p>
-          <a:p>
-            <a:endParaRPr lang="en-CA" sz="3200" dirty="0" smtClean="0"/>
-          </a:p>
-          <a:p>
-            <a:pPr marL="914400" lvl="1" indent="-457200">
-              <a:buFont typeface="Arial" charset="0"/>
-              <a:buChar char="•"/>
-            </a:pPr>
-            <a:r>
-              <a:rPr lang="en-CA" sz="3200" dirty="0" smtClean="0"/>
-              <a:t>Efficiency</a:t>
-            </a:r>
-          </a:p>
-          <a:p>
-            <a:pPr marL="914400" lvl="1" indent="-457200">
-              <a:buFont typeface="Arial" charset="0"/>
-              <a:buChar char="•"/>
-            </a:pPr>
-            <a:r>
-              <a:rPr lang="en-CA" sz="3200" dirty="0" smtClean="0"/>
-              <a:t>Reproducibility</a:t>
-            </a:r>
-          </a:p>
-          <a:p>
-            <a:pPr marL="914400" lvl="1" indent="-457200">
-              <a:buFont typeface="Arial" charset="0"/>
-              <a:buChar char="•"/>
-            </a:pPr>
-            <a:r>
-              <a:rPr lang="en-CA" sz="3200" dirty="0" smtClean="0"/>
-              <a:t>Interactivity</a:t>
-            </a:r>
-          </a:p>
-          <a:p>
-            <a:pPr marL="914400" lvl="1" indent="-457200">
-              <a:buFont typeface="Arial" charset="0"/>
-              <a:buChar char="•"/>
-            </a:pPr>
-            <a:r>
-              <a:rPr lang="en-CA" sz="3200" dirty="0" smtClean="0"/>
-              <a:t>Automation</a:t>
-            </a:r>
-            <a:endParaRPr lang="en-CA" sz="3200" dirty="0"/>
-          </a:p>
-          <a:p>
-            <a:pPr marL="914400" lvl="1" indent="-457200">
-              <a:buFont typeface="Arial" charset="0"/>
-              <a:buChar char="•"/>
-            </a:pPr>
-            <a:r>
-              <a:rPr lang="en-CA" sz="3200" dirty="0" smtClean="0"/>
-              <a:t>Notebook</a:t>
-            </a:r>
-            <a:endParaRPr lang="en-CA" sz="3200" dirty="0"/>
-          </a:p>
-          <a:p>
-            <a:pPr marL="914400" lvl="1" indent="-457200">
-              <a:buFont typeface="Arial" charset="0"/>
-              <a:buChar char="•"/>
-            </a:pPr>
-            <a:endParaRPr lang="en-CA" sz="3200" dirty="0"/>
-          </a:p>
-          <a:p>
-            <a:pPr lvl="1"/>
-            <a:r>
-              <a:rPr lang="en-CA" sz="3200" i="1" dirty="0" smtClean="0"/>
-              <a:t>And much more..</a:t>
-            </a:r>
-            <a:endParaRPr lang="en-CA" sz="3200" i="1" dirty="0"/>
-          </a:p>
-        </p:txBody>
-      </p:sp>
+              <a:rPr lang="en-AU" sz="3200" smtClean="0"/>
+              <a:t>Base R</a:t>
+            </a:r>
+            <a:endParaRPr lang="en-AU" sz="3200"/>
+          </a:p>
+        </p:txBody>
+      </p:sp>
+      <p:cxnSp>
+        <p:nvCxnSpPr>
+          <p:cNvPr id="9" name="Connecteur droit avec flèche 8"/>
+          <p:cNvCxnSpPr/>
+          <p:nvPr/>
+        </p:nvCxnSpPr>
+        <p:spPr>
+          <a:xfrm flipH="1">
+            <a:off x="4479009" y="2187791"/>
+            <a:ext cx="705860" cy="446921"/>
+          </a:xfrm>
+          <a:prstGeom prst="straightConnector1">
+            <a:avLst/>
+          </a:prstGeom>
+          <a:ln w="34925">
+            <a:solidFill>
+              <a:srgbClr val="FF0000"/>
+            </a:solidFill>
+            <a:tailEnd type="triangle"/>
+          </a:ln>
+        </p:spPr>
+        <p:style>
+          <a:lnRef idx="1">
+            <a:schemeClr val="accent1"/>
+          </a:lnRef>
+          <a:fillRef idx="0">
+            <a:schemeClr val="accent1"/>
+          </a:fillRef>
+          <a:effectRef idx="0">
+            <a:schemeClr val="accent1"/>
+          </a:effectRef>
+          <a:fontRef idx="minor">
+            <a:schemeClr val="tx1"/>
+          </a:fontRef>
+        </p:style>
+      </p:cxnSp>
+      <p:cxnSp>
+        <p:nvCxnSpPr>
+          <p:cNvPr id="11" name="Connecteur droit avec flèche 10"/>
+          <p:cNvCxnSpPr/>
+          <p:nvPr/>
+        </p:nvCxnSpPr>
+        <p:spPr>
+          <a:xfrm>
+            <a:off x="6405703" y="2187790"/>
+            <a:ext cx="868972" cy="336031"/>
+          </a:xfrm>
+          <a:prstGeom prst="straightConnector1">
+            <a:avLst/>
+          </a:prstGeom>
+          <a:ln w="34925">
+            <a:solidFill>
+              <a:srgbClr val="FF0000"/>
+            </a:solidFill>
+            <a:tailEnd type="triangle"/>
+          </a:ln>
+        </p:spPr>
+        <p:style>
+          <a:lnRef idx="1">
+            <a:schemeClr val="accent1"/>
+          </a:lnRef>
+          <a:fillRef idx="0">
+            <a:schemeClr val="accent1"/>
+          </a:fillRef>
+          <a:effectRef idx="0">
+            <a:schemeClr val="accent1"/>
+          </a:effectRef>
+          <a:fontRef idx="minor">
+            <a:schemeClr val="tx1"/>
+          </a:fontRef>
+        </p:style>
+      </p:cxnSp>
     </p:spTree>
     <p:extLst>
       <p:ext uri="{BB962C8B-B14F-4D97-AF65-F5344CB8AC3E}">
@@ -3892,7 +5415,7 @@
       </p:grpSpPr>
       <p:pic>
         <p:nvPicPr>
-          <p:cNvPr id="8" name="Image 7"/>
+          <p:cNvPr id="7" name="Image 6"/>
           <p:cNvPicPr>
             <a:picLocks noChangeAspect="1"/>
           </p:cNvPicPr>
@@ -3900,7 +5423,6 @@
         </p:nvPicPr>
         <p:blipFill>
           <a:blip r:embed="rId2">
-            <a:alphaModFix amt="24000"/>
             <a:extLst>
               <a:ext uri="{28A0092B-C50C-407E-A947-70E740481C1C}">
                 <a14:useLocalDpi xmlns:a14="http://schemas.microsoft.com/office/drawing/2010/main" val="0"/>
@@ -3913,61 +5435,24 @@
         </p:blipFill>
         <p:spPr>
           <a:xfrm>
-            <a:off x="-2411662" y="16042"/>
-            <a:ext cx="17808514" cy="6858000"/>
+            <a:off x="3583766" y="139484"/>
+            <a:ext cx="8608234" cy="6311295"/>
           </a:xfrm>
           <a:prstGeom prst="rect">
             <a:avLst/>
           </a:prstGeom>
         </p:spPr>
       </p:pic>
-      <p:cxnSp>
-        <p:nvCxnSpPr>
-          <p:cNvPr id="9" name="Connecteur droit 8"/>
-          <p:cNvCxnSpPr/>
-          <p:nvPr/>
-        </p:nvCxnSpPr>
-        <p:spPr>
-          <a:xfrm>
-            <a:off x="3676696" y="3686627"/>
-            <a:ext cx="4702626" cy="0"/>
-          </a:xfrm>
-          <a:prstGeom prst="line">
-            <a:avLst/>
-          </a:prstGeom>
-          <a:ln>
-            <a:solidFill>
-              <a:schemeClr val="bg2">
-                <a:lumMod val="50000"/>
-              </a:schemeClr>
-            </a:solidFill>
-          </a:ln>
-        </p:spPr>
-        <p:style>
-          <a:lnRef idx="1">
-            <a:schemeClr val="accent1"/>
-          </a:lnRef>
-          <a:fillRef idx="0">
-            <a:schemeClr val="accent1"/>
-          </a:fillRef>
-          <a:effectRef idx="0">
-            <a:schemeClr val="accent1"/>
-          </a:effectRef>
-          <a:fontRef idx="minor">
-            <a:schemeClr val="tx1"/>
-          </a:fontRef>
-        </p:style>
-      </p:cxnSp>
-      <p:sp>
-        <p:nvSpPr>
-          <p:cNvPr id="10" name="ZoneTexte 9"/>
+      <p:sp>
+        <p:nvSpPr>
+          <p:cNvPr id="8" name="ZoneTexte 7"/>
           <p:cNvSpPr txBox="1"/>
           <p:nvPr/>
         </p:nvSpPr>
         <p:spPr>
           <a:xfrm>
-            <a:off x="4678182" y="2798711"/>
-            <a:ext cx="4814161" cy="646331"/>
+            <a:off x="11158779" y="6399162"/>
+            <a:ext cx="867906" cy="369332"/>
           </a:xfrm>
           <a:prstGeom prst="rect">
             <a:avLst/>
@@ -3981,21 +5466,104 @@
           <a:lstStyle/>
           <a:p>
             <a:r>
-              <a:rPr lang="fr-FR" sz="3600" smtClean="0"/>
-              <a:t>Section </a:t>
-            </a:r>
-            <a:r>
-              <a:rPr lang="fr-FR" sz="3600" dirty="0" err="1" smtClean="0"/>
-              <a:t>name</a:t>
-            </a:r>
-            <a:endParaRPr lang="fr-FR" sz="3600" dirty="0"/>
-          </a:p>
-        </p:txBody>
-      </p:sp>
+              <a:rPr lang="en-AU" dirty="0" smtClean="0">
+                <a:hlinkClick r:id="rId3"/>
+              </a:rPr>
+              <a:t>source</a:t>
+            </a:r>
+            <a:endParaRPr lang="en-AU" dirty="0"/>
+          </a:p>
+        </p:txBody>
+      </p:sp>
+      <p:sp>
+        <p:nvSpPr>
+          <p:cNvPr id="12" name="ZoneTexte 3"/>
+          <p:cNvSpPr txBox="1"/>
+          <p:nvPr/>
+        </p:nvSpPr>
+        <p:spPr>
+          <a:xfrm>
+            <a:off x="263471" y="3452413"/>
+            <a:ext cx="3037872" cy="1815882"/>
+          </a:xfrm>
+          <a:prstGeom prst="rect">
+            <a:avLst/>
+          </a:prstGeom>
+          <a:noFill/>
+        </p:spPr>
+        <p:txBody>
+          <a:bodyPr wrap="square" rtlCol="0">
+            <a:spAutoFit/>
+          </a:bodyPr>
+          <a:lstStyle>
+            <a:defPPr>
+              <a:defRPr lang="fr-FR"/>
+            </a:defPPr>
+            <a:lvl1pPr algn="ctr">
+              <a:defRPr>
+                <a:solidFill>
+                  <a:srgbClr val="FF0000"/>
+                </a:solidFill>
+              </a:defRPr>
+            </a:lvl1pPr>
+          </a:lstStyle>
+          <a:p>
+            <a:r>
+              <a:rPr lang="fr-FR" sz="2800" smtClean="0"/>
+              <a:t>=</a:t>
+            </a:r>
+          </a:p>
+          <a:p>
+            <a:r>
+              <a:rPr lang="fr-FR" sz="2800" dirty="0" smtClean="0"/>
+              <a:t>A collection of R packages </a:t>
+            </a:r>
+            <a:r>
+              <a:rPr lang="fr-FR" sz="2800" dirty="0" err="1" smtClean="0"/>
+              <a:t>designed</a:t>
+            </a:r>
+            <a:r>
+              <a:rPr lang="fr-FR" sz="2800" dirty="0" smtClean="0"/>
+              <a:t> for data science</a:t>
+            </a:r>
+            <a:endParaRPr lang="fr-FR" sz="2800" dirty="0"/>
+          </a:p>
+        </p:txBody>
+      </p:sp>
+      <p:pic>
+        <p:nvPicPr>
+          <p:cNvPr id="13" name="Image 12"/>
+          <p:cNvPicPr>
+            <a:picLocks noChangeAspect="1"/>
+          </p:cNvPicPr>
+          <p:nvPr/>
+        </p:nvPicPr>
+        <p:blipFill>
+          <a:blip r:embed="rId4">
+            <a:extLst>
+              <a:ext uri="{28A0092B-C50C-407E-A947-70E740481C1C}">
+                <a14:useLocalDpi xmlns:a14="http://schemas.microsoft.com/office/drawing/2010/main" val="0"/>
+              </a:ext>
+            </a:extLst>
+          </a:blip>
+          <a:stretch>
+            <a:fillRect/>
+          </a:stretch>
+        </p:blipFill>
+        <p:spPr>
+          <a:xfrm>
+            <a:off x="1053986" y="1770531"/>
+            <a:ext cx="1456841" cy="1681882"/>
+          </a:xfrm>
+          <a:prstGeom prst="rect">
+            <a:avLst/>
+          </a:prstGeom>
+        </p:spPr>
+      </p:pic>
     </p:spTree>
     <p:extLst>
       <p:ext uri="{BB962C8B-B14F-4D97-AF65-F5344CB8AC3E}">
-        <p14:creationId xmlns:p14="http://schemas.microsoft.com/office/powerpoint/2010/main" val="1611368735"/>
+        <p14:creationId xmlns:p14="http://schemas.microsoft.com/office/powerpoint/2010/main" val="664314238"/>
       </p:ext>
     </p:extLst>
   </p:cSld>
@@ -4031,15 +5599,14 @@
       </p:grpSpPr>
       <p:pic>
         <p:nvPicPr>
-          <p:cNvPr id="8" name="Image 7"/>
+          <p:cNvPr id="4" name="Image 3"/>
           <p:cNvPicPr>
             <a:picLocks noChangeAspect="1"/>
           </p:cNvPicPr>
           <p:nvPr/>
         </p:nvPicPr>
         <p:blipFill>
-          <a:blip r:embed="rId3">
-            <a:alphaModFix amt="24000"/>
+          <a:blip r:embed="rId2">
             <a:extLst>
               <a:ext uri="{28A0092B-C50C-407E-A947-70E740481C1C}">
                 <a14:useLocalDpi xmlns:a14="http://schemas.microsoft.com/office/drawing/2010/main" val="0"/>
@@ -4052,8 +5619,116 @@
         </p:blipFill>
         <p:spPr>
           <a:xfrm>
-            <a:off x="-2411662" y="16042"/>
-            <a:ext cx="17808514" cy="6858000"/>
+            <a:off x="8725543" y="1682880"/>
+            <a:ext cx="1456841" cy="1681882"/>
+          </a:xfrm>
+          <a:prstGeom prst="rect">
+            <a:avLst/>
+          </a:prstGeom>
+        </p:spPr>
+      </p:pic>
+      <p:pic>
+        <p:nvPicPr>
+          <p:cNvPr id="5" name="Image 4"/>
+          <p:cNvPicPr>
+            <a:picLocks noChangeAspect="1"/>
+          </p:cNvPicPr>
+          <p:nvPr/>
+        </p:nvPicPr>
+        <p:blipFill>
+          <a:blip r:embed="rId3">
+            <a:extLst>
+              <a:ext uri="{28A0092B-C50C-407E-A947-70E740481C1C}">
+                <a14:useLocalDpi xmlns:a14="http://schemas.microsoft.com/office/drawing/2010/main" val="0"/>
+              </a:ext>
+            </a:extLst>
+          </a:blip>
+          <a:stretch>
+            <a:fillRect/>
+          </a:stretch>
+        </p:blipFill>
+        <p:spPr>
+          <a:xfrm>
+            <a:off x="4479009" y="402273"/>
+            <a:ext cx="2050657" cy="1589259"/>
+          </a:xfrm>
+          <a:prstGeom prst="rect">
+            <a:avLst/>
+          </a:prstGeom>
+        </p:spPr>
+      </p:pic>
+      <p:sp>
+        <p:nvSpPr>
+          <p:cNvPr id="6" name="ZoneTexte 5"/>
+          <p:cNvSpPr txBox="1"/>
+          <p:nvPr/>
+        </p:nvSpPr>
+        <p:spPr>
+          <a:xfrm>
+            <a:off x="2200759" y="2523821"/>
+            <a:ext cx="1410346" cy="584775"/>
+          </a:xfrm>
+          <a:prstGeom prst="rect">
+            <a:avLst/>
+          </a:prstGeom>
+          <a:noFill/>
+        </p:spPr>
+        <p:txBody>
+          <a:bodyPr wrap="square" rtlCol="0">
+            <a:spAutoFit/>
+          </a:bodyPr>
+          <a:lstStyle/>
+          <a:p>
+            <a:r>
+              <a:rPr lang="en-AU" sz="3200" smtClean="0"/>
+              <a:t>Base R</a:t>
+            </a:r>
+            <a:endParaRPr lang="en-AU" sz="3200"/>
+          </a:p>
+        </p:txBody>
+      </p:sp>
+      <p:pic>
+        <p:nvPicPr>
+          <p:cNvPr id="7" name="Image 6"/>
+          <p:cNvPicPr>
+            <a:picLocks noChangeAspect="1"/>
+          </p:cNvPicPr>
+          <p:nvPr/>
+        </p:nvPicPr>
+        <p:blipFill>
+          <a:blip r:embed="rId4"/>
+          <a:stretch>
+            <a:fillRect/>
+          </a:stretch>
+        </p:blipFill>
+        <p:spPr>
+          <a:xfrm>
+            <a:off x="1629905" y="3673414"/>
+            <a:ext cx="2604104" cy="728529"/>
+          </a:xfrm>
+          <a:prstGeom prst="rect">
+            <a:avLst/>
+          </a:prstGeom>
+        </p:spPr>
+      </p:pic>
+      <p:pic>
+        <p:nvPicPr>
+          <p:cNvPr id="8" name="Image 7"/>
+          <p:cNvPicPr>
+            <a:picLocks noChangeAspect="1"/>
+          </p:cNvPicPr>
+          <p:nvPr/>
+        </p:nvPicPr>
+        <p:blipFill>
+          <a:blip r:embed="rId5"/>
+          <a:stretch>
+            <a:fillRect/>
+          </a:stretch>
+        </p:blipFill>
+        <p:spPr>
+          <a:xfrm>
+            <a:off x="8399864" y="3601843"/>
+            <a:ext cx="2108200" cy="800100"/>
           </a:xfrm>
           <a:prstGeom prst="rect">
             <a:avLst/>
@@ -4062,24 +5737,23 @@
       </p:pic>
       <p:cxnSp>
         <p:nvCxnSpPr>
-          <p:cNvPr id="9" name="Connecteur droit 8"/>
+          <p:cNvPr id="9" name="Connecteur droit avec flèche 8"/>
           <p:cNvCxnSpPr/>
           <p:nvPr/>
         </p:nvCxnSpPr>
         <p:spPr>
-          <a:xfrm>
-            <a:off x="3837117" y="1809700"/>
-            <a:ext cx="4702626" cy="0"/>
-          </a:xfrm>
-          <a:prstGeom prst="line">
-            <a:avLst/>
-          </a:prstGeom>
-          <a:ln>
+          <a:xfrm flipH="1">
+            <a:off x="4479009" y="2187791"/>
+            <a:ext cx="705860" cy="446921"/>
+          </a:xfrm>
+          <a:prstGeom prst="straightConnector1">
+            <a:avLst/>
+          </a:prstGeom>
+          <a:ln w="34925">
             <a:solidFill>
-              <a:schemeClr val="bg2">
-                <a:lumMod val="50000"/>
-              </a:schemeClr>
+              <a:srgbClr val="FF0000"/>
             </a:solidFill>
+            <a:tailEnd type="triangle"/>
           </a:ln>
         </p:spPr>
         <p:style>
@@ -4097,480 +5771,89 @@
           </a:fontRef>
         </p:style>
       </p:cxnSp>
-      <p:sp>
-        <p:nvSpPr>
-          <p:cNvPr id="10" name="ZoneTexte 9"/>
-          <p:cNvSpPr txBox="1"/>
-          <p:nvPr/>
-        </p:nvSpPr>
-        <p:spPr>
-          <a:xfrm>
-            <a:off x="4969231" y="921784"/>
-            <a:ext cx="4814161" cy="646331"/>
-          </a:xfrm>
-          <a:prstGeom prst="rect">
-            <a:avLst/>
-          </a:prstGeom>
-          <a:noFill/>
-        </p:spPr>
-        <p:txBody>
-          <a:bodyPr wrap="square" rtlCol="0">
-            <a:spAutoFit/>
-          </a:bodyPr>
-          <a:lstStyle/>
-          <a:p>
-            <a:r>
-              <a:rPr lang="fr-FR" sz="3600" dirty="0" err="1" smtClean="0"/>
-              <a:t>Thanks</a:t>
-            </a:r>
-            <a:endParaRPr lang="fr-FR" sz="3600" dirty="0"/>
-          </a:p>
-        </p:txBody>
-      </p:sp>
-      <p:sp>
-        <p:nvSpPr>
-          <p:cNvPr id="5" name="Rectangle 4">
-            <a:hlinkClick r:id="rId4"/>
-          </p:cNvPr>
-          <p:cNvSpPr/>
-          <p:nvPr/>
-        </p:nvSpPr>
-        <p:spPr>
-          <a:xfrm>
-            <a:off x="3437529" y="3137655"/>
-            <a:ext cx="1426994" cy="369332"/>
-          </a:xfrm>
-          <a:prstGeom prst="rect">
-            <a:avLst/>
-          </a:prstGeom>
-          <a:ln>
+      <p:cxnSp>
+        <p:nvCxnSpPr>
+          <p:cNvPr id="11" name="Connecteur droit avec flèche 10"/>
+          <p:cNvCxnSpPr/>
+          <p:nvPr/>
+        </p:nvCxnSpPr>
+        <p:spPr>
+          <a:xfrm>
+            <a:off x="6405703" y="2187790"/>
+            <a:ext cx="868972" cy="336031"/>
+          </a:xfrm>
+          <a:prstGeom prst="straightConnector1">
+            <a:avLst/>
+          </a:prstGeom>
+          <a:ln w="34925">
             <a:solidFill>
-              <a:schemeClr val="accent1"/>
+              <a:srgbClr val="FF0000"/>
             </a:solidFill>
+            <a:tailEnd type="triangle"/>
           </a:ln>
         </p:spPr>
-        <p:txBody>
-          <a:bodyPr wrap="none">
-            <a:spAutoFit/>
-          </a:bodyPr>
-          <a:lstStyle/>
-          <a:p>
-            <a:r>
-              <a:rPr lang="en-AU" dirty="0" err="1" smtClean="0">
-                <a:solidFill>
-                  <a:schemeClr val="accent1">
-                    <a:lumMod val="75000"/>
-                  </a:schemeClr>
-                </a:solidFill>
-              </a:rPr>
-              <a:t>bit.ly</a:t>
-            </a:r>
-            <a:r>
-              <a:rPr lang="en-AU" dirty="0" smtClean="0">
-                <a:solidFill>
-                  <a:schemeClr val="accent1">
-                    <a:lumMod val="75000"/>
-                  </a:schemeClr>
-                </a:solidFill>
-              </a:rPr>
-              <a:t>/2SxJFlV</a:t>
-            </a:r>
-            <a:endParaRPr lang="en-AU" dirty="0">
-              <a:solidFill>
-                <a:schemeClr val="accent1">
-                  <a:lumMod val="75000"/>
-                </a:schemeClr>
-              </a:solidFill>
-            </a:endParaRPr>
-          </a:p>
-        </p:txBody>
-      </p:sp>
-      <p:sp>
-        <p:nvSpPr>
-          <p:cNvPr id="2" name="Rectangle 1"/>
-          <p:cNvSpPr/>
-          <p:nvPr/>
-        </p:nvSpPr>
-        <p:spPr>
-          <a:xfrm>
-            <a:off x="2020910" y="3060711"/>
-            <a:ext cx="1117614" cy="523220"/>
-          </a:xfrm>
-          <a:prstGeom prst="rect">
-            <a:avLst/>
-          </a:prstGeom>
-        </p:spPr>
-        <p:txBody>
-          <a:bodyPr wrap="none">
-            <a:spAutoFit/>
-          </a:bodyPr>
-          <a:lstStyle/>
-          <a:p>
-            <a:r>
-              <a:rPr lang="fr-FR" sz="2800" dirty="0" smtClean="0"/>
-              <a:t>Slides:</a:t>
-            </a:r>
-            <a:endParaRPr lang="fr-FR" sz="2800" dirty="0"/>
-          </a:p>
-        </p:txBody>
-      </p:sp>
-      <p:sp>
-        <p:nvSpPr>
-          <p:cNvPr id="7" name="Rectangle 6">
-            <a:hlinkClick r:id="rId5"/>
-          </p:cNvPr>
-          <p:cNvSpPr/>
-          <p:nvPr/>
-        </p:nvSpPr>
-        <p:spPr>
-          <a:xfrm>
-            <a:off x="3437529" y="3949007"/>
-            <a:ext cx="1543051" cy="369332"/>
-          </a:xfrm>
-          <a:prstGeom prst="rect">
-            <a:avLst/>
-          </a:prstGeom>
-          <a:ln>
-            <a:solidFill>
-              <a:schemeClr val="accent1"/>
-            </a:solidFill>
-          </a:ln>
-        </p:spPr>
-        <p:txBody>
-          <a:bodyPr wrap="none">
-            <a:spAutoFit/>
-          </a:bodyPr>
-          <a:lstStyle/>
-          <a:p>
-            <a:r>
-              <a:rPr lang="fr-FR" dirty="0" err="1">
-                <a:solidFill>
-                  <a:schemeClr val="accent1">
-                    <a:lumMod val="75000"/>
-                  </a:schemeClr>
-                </a:solidFill>
-              </a:rPr>
-              <a:t>bit.ly</a:t>
-            </a:r>
-            <a:r>
-              <a:rPr lang="fr-FR" dirty="0">
-                <a:solidFill>
-                  <a:schemeClr val="accent1">
-                    <a:lumMod val="75000"/>
-                  </a:schemeClr>
-                </a:solidFill>
-              </a:rPr>
-              <a:t>/2AZySd9</a:t>
-            </a:r>
-            <a:endParaRPr lang="en-AU" dirty="0">
-              <a:solidFill>
-                <a:schemeClr val="accent1">
-                  <a:lumMod val="75000"/>
-                </a:schemeClr>
-              </a:solidFill>
-            </a:endParaRPr>
-          </a:p>
-        </p:txBody>
-      </p:sp>
-      <p:sp>
-        <p:nvSpPr>
-          <p:cNvPr id="11" name="Rectangle 10"/>
-          <p:cNvSpPr/>
-          <p:nvPr/>
-        </p:nvSpPr>
-        <p:spPr>
-          <a:xfrm>
-            <a:off x="1106906" y="3871809"/>
-            <a:ext cx="2113372" cy="523220"/>
-          </a:xfrm>
-          <a:prstGeom prst="rect">
-            <a:avLst/>
-          </a:prstGeom>
-        </p:spPr>
-        <p:txBody>
-          <a:bodyPr wrap="square">
-            <a:spAutoFit/>
-          </a:bodyPr>
-          <a:lstStyle/>
-          <a:p>
-            <a:r>
-              <a:rPr lang="fr-FR" sz="2800" dirty="0" err="1" smtClean="0"/>
-              <a:t>Cheat</a:t>
-            </a:r>
-            <a:r>
-              <a:rPr lang="fr-FR" sz="2800" dirty="0" smtClean="0"/>
-              <a:t> </a:t>
-            </a:r>
-            <a:r>
-              <a:rPr lang="fr-FR" sz="2800" dirty="0" err="1" smtClean="0"/>
-              <a:t>Sheet</a:t>
-            </a:r>
-            <a:r>
-              <a:rPr lang="fr-FR" sz="2800" dirty="0" smtClean="0"/>
-              <a:t>:</a:t>
-            </a:r>
-            <a:endParaRPr lang="fr-FR" sz="2800" dirty="0"/>
-          </a:p>
-        </p:txBody>
-      </p:sp>
-      <p:sp>
-        <p:nvSpPr>
-          <p:cNvPr id="12" name="Rectangle 11">
-            <a:hlinkClick r:id="rId6"/>
-          </p:cNvPr>
-          <p:cNvSpPr/>
-          <p:nvPr/>
-        </p:nvSpPr>
-        <p:spPr>
-          <a:xfrm>
-            <a:off x="3437529" y="4760359"/>
-            <a:ext cx="1625510" cy="369332"/>
-          </a:xfrm>
-          <a:prstGeom prst="rect">
-            <a:avLst/>
-          </a:prstGeom>
-          <a:ln>
-            <a:solidFill>
-              <a:schemeClr val="accent1"/>
-            </a:solidFill>
-          </a:ln>
-        </p:spPr>
-        <p:txBody>
-          <a:bodyPr wrap="none">
-            <a:spAutoFit/>
-          </a:bodyPr>
-          <a:lstStyle/>
-          <a:p>
-            <a:r>
-              <a:rPr lang="fr-FR" dirty="0" err="1">
-                <a:solidFill>
-                  <a:schemeClr val="accent1">
-                    <a:lumMod val="75000"/>
-                  </a:schemeClr>
-                </a:solidFill>
-              </a:rPr>
-              <a:t>bit.ly</a:t>
-            </a:r>
-            <a:r>
-              <a:rPr lang="fr-FR" dirty="0">
-                <a:solidFill>
-                  <a:schemeClr val="accent1">
-                    <a:lumMod val="75000"/>
-                  </a:schemeClr>
-                </a:solidFill>
-              </a:rPr>
-              <a:t>/2QDX7Hz</a:t>
-            </a:r>
-            <a:endParaRPr lang="en-AU" dirty="0">
-              <a:solidFill>
-                <a:schemeClr val="accent1">
-                  <a:lumMod val="75000"/>
-                </a:schemeClr>
-              </a:solidFill>
-            </a:endParaRPr>
-          </a:p>
-        </p:txBody>
-      </p:sp>
-      <p:sp>
-        <p:nvSpPr>
-          <p:cNvPr id="13" name="Rectangle 12"/>
-          <p:cNvSpPr/>
-          <p:nvPr/>
-        </p:nvSpPr>
-        <p:spPr>
-          <a:xfrm>
-            <a:off x="906887" y="4692408"/>
-            <a:ext cx="2231637" cy="523220"/>
-          </a:xfrm>
-          <a:prstGeom prst="rect">
-            <a:avLst/>
-          </a:prstGeom>
-        </p:spPr>
-        <p:txBody>
-          <a:bodyPr wrap="none">
-            <a:spAutoFit/>
-          </a:bodyPr>
-          <a:lstStyle/>
-          <a:p>
-            <a:r>
-              <a:rPr lang="fr-FR" sz="2800" dirty="0" err="1" smtClean="0"/>
-              <a:t>Pimp</a:t>
-            </a:r>
-            <a:r>
-              <a:rPr lang="fr-FR" sz="2800" dirty="0" smtClean="0"/>
-              <a:t> </a:t>
-            </a:r>
-            <a:r>
-              <a:rPr lang="fr-FR" sz="2800" dirty="0" err="1" smtClean="0"/>
-              <a:t>my</a:t>
-            </a:r>
-            <a:r>
-              <a:rPr lang="fr-FR" sz="2800" dirty="0" smtClean="0"/>
-              <a:t> </a:t>
-            </a:r>
-            <a:r>
-              <a:rPr lang="fr-FR" sz="2800" dirty="0" err="1" smtClean="0"/>
-              <a:t>rmd</a:t>
-            </a:r>
-            <a:r>
-              <a:rPr lang="fr-FR" sz="2800" dirty="0" smtClean="0"/>
-              <a:t>:</a:t>
-            </a:r>
-            <a:endParaRPr lang="fr-FR" sz="2800" dirty="0"/>
-          </a:p>
-        </p:txBody>
-      </p:sp>
-      <p:sp>
-        <p:nvSpPr>
-          <p:cNvPr id="14" name="TextBox 6"/>
-          <p:cNvSpPr txBox="1"/>
-          <p:nvPr/>
-        </p:nvSpPr>
-        <p:spPr>
-          <a:xfrm>
-            <a:off x="7703068" y="2759996"/>
-            <a:ext cx="3485856" cy="1200329"/>
-          </a:xfrm>
-          <a:prstGeom prst="rect">
-            <a:avLst/>
-          </a:prstGeom>
-          <a:noFill/>
-        </p:spPr>
-        <p:txBody>
-          <a:bodyPr wrap="square" rtlCol="0">
-            <a:spAutoFit/>
-          </a:bodyPr>
-          <a:lstStyle/>
-          <a:p>
-            <a:r>
-              <a:rPr lang="en-US" sz="2400" dirty="0" smtClean="0">
-                <a:hlinkClick r:id="rId7"/>
-              </a:rPr>
-              <a:t>Yan.holtz.data@gmail.com</a:t>
-            </a:r>
-            <a:endParaRPr lang="en-US" sz="2400" dirty="0" smtClean="0"/>
-          </a:p>
-          <a:p>
-            <a:endParaRPr lang="en-US" sz="2400" dirty="0"/>
-          </a:p>
-          <a:p>
-            <a:r>
-              <a:rPr lang="en-US" sz="2400" dirty="0" err="1" smtClean="0"/>
-              <a:t>www.yan-holtz.com</a:t>
-            </a:r>
-            <a:endParaRPr lang="en-US" sz="2400" dirty="0"/>
-          </a:p>
-        </p:txBody>
-      </p:sp>
+        <p:style>
+          <a:lnRef idx="1">
+            <a:schemeClr val="accent1"/>
+          </a:lnRef>
+          <a:fillRef idx="0">
+            <a:schemeClr val="accent1"/>
+          </a:fillRef>
+          <a:effectRef idx="0">
+            <a:schemeClr val="accent1"/>
+          </a:effectRef>
+          <a:fontRef idx="minor">
+            <a:schemeClr val="tx1"/>
+          </a:fontRef>
+        </p:style>
+      </p:cxnSp>
+    </p:spTree>
+    <p:extLst>
+      <p:ext uri="{BB962C8B-B14F-4D97-AF65-F5344CB8AC3E}">
+        <p14:creationId xmlns:p14="http://schemas.microsoft.com/office/powerpoint/2010/main" val="837343704"/>
+      </p:ext>
+    </p:extLst>
+  </p:cSld>
+  <p:clrMapOvr>
+    <a:masterClrMapping/>
+  </p:clrMapOvr>
+  <p:timing>
+    <p:tnLst>
+      <p:par>
+        <p:cTn id="1" dur="indefinite" restart="never" nodeType="tmRoot"/>
+      </p:par>
+    </p:tnLst>
+  </p:timing>
+</p:sld>
+</file>
+
+<file path=ppt/slides/slide5.xml><?xml version="1.0" encoding="utf-8"?>
+<p:sld xmlns:a="http://schemas.openxmlformats.org/drawingml/2006/main" xmlns:r="http://schemas.openxmlformats.org/officeDocument/2006/relationships" xmlns:p="http://schemas.openxmlformats.org/presentationml/2006/main">
+  <p:cSld>
+    <p:spTree>
+      <p:nvGrpSpPr>
+        <p:cNvPr id="1" name=""/>
+        <p:cNvGrpSpPr/>
+        <p:nvPr/>
+      </p:nvGrpSpPr>
+      <p:grpSpPr>
+        <a:xfrm>
+          <a:off x="0" y="0"/>
+          <a:ext cx="0" cy="0"/>
+          <a:chOff x="0" y="0"/>
+          <a:chExt cx="0" cy="0"/>
+        </a:xfrm>
+      </p:grpSpPr>
       <p:pic>
         <p:nvPicPr>
-          <p:cNvPr id="15" name="Picture 8"/>
+          <p:cNvPr id="4" name="Image 3"/>
           <p:cNvPicPr>
             <a:picLocks noChangeAspect="1"/>
           </p:cNvPicPr>
           <p:nvPr/>
         </p:nvPicPr>
         <p:blipFill>
-          <a:blip r:embed="rId8"/>
-          <a:stretch>
-            <a:fillRect/>
-          </a:stretch>
-        </p:blipFill>
-        <p:spPr>
-          <a:xfrm>
-            <a:off x="6866161" y="4242277"/>
-            <a:ext cx="406182" cy="363025"/>
-          </a:xfrm>
-          <a:prstGeom prst="rect">
-            <a:avLst/>
-          </a:prstGeom>
-        </p:spPr>
-      </p:pic>
-      <p:pic>
-        <p:nvPicPr>
-          <p:cNvPr id="16" name="Picture 9"/>
-          <p:cNvPicPr>
-            <a:picLocks noChangeAspect="1"/>
-          </p:cNvPicPr>
-          <p:nvPr/>
-        </p:nvPicPr>
-        <p:blipFill>
-          <a:blip r:embed="rId9"/>
-          <a:stretch>
-            <a:fillRect/>
-          </a:stretch>
-        </p:blipFill>
-        <p:spPr>
-          <a:xfrm>
-            <a:off x="6866161" y="2839447"/>
-            <a:ext cx="379473" cy="294937"/>
-          </a:xfrm>
-          <a:prstGeom prst="rect">
-            <a:avLst/>
-          </a:prstGeom>
-        </p:spPr>
-      </p:pic>
-      <p:sp>
-        <p:nvSpPr>
-          <p:cNvPr id="17" name="TextBox 11"/>
-          <p:cNvSpPr txBox="1"/>
-          <p:nvPr/>
-        </p:nvSpPr>
-        <p:spPr>
-          <a:xfrm>
-            <a:off x="7511253" y="4198897"/>
-            <a:ext cx="3485856" cy="1200329"/>
-          </a:xfrm>
-          <a:prstGeom prst="rect">
-            <a:avLst/>
-          </a:prstGeom>
-          <a:noFill/>
-        </p:spPr>
-        <p:txBody>
-          <a:bodyPr wrap="square" rtlCol="0">
-            <a:spAutoFit/>
-          </a:bodyPr>
-          <a:lstStyle/>
-          <a:p>
-            <a:r>
-              <a:rPr lang="en-US" sz="2400" dirty="0" smtClean="0"/>
-              <a:t>@</a:t>
-            </a:r>
-            <a:r>
-              <a:rPr lang="en-US" sz="2400" dirty="0" err="1" smtClean="0"/>
-              <a:t>R_Graph_Gallery</a:t>
-            </a:r>
-            <a:r>
-              <a:rPr lang="en-US" sz="2400" dirty="0" smtClean="0"/>
-              <a:t> </a:t>
-            </a:r>
-          </a:p>
-          <a:p>
-            <a:endParaRPr lang="en-US" sz="2400" dirty="0"/>
-          </a:p>
-          <a:p>
-            <a:r>
-              <a:rPr lang="en-US" sz="2400" dirty="0" smtClean="0">
-                <a:hlinkClick r:id="rId7"/>
-              </a:rPr>
-              <a:t>github.com/holtzy</a:t>
-            </a:r>
-            <a:endParaRPr lang="en-US" sz="2400" dirty="0">
-              <a:hlinkClick r:id="rId7"/>
-            </a:endParaRPr>
-          </a:p>
-        </p:txBody>
-      </p:sp>
-      <p:pic>
-        <p:nvPicPr>
-          <p:cNvPr id="18" name="Picture 14"/>
-          <p:cNvPicPr>
-            <a:picLocks noChangeAspect="1"/>
-          </p:cNvPicPr>
-          <p:nvPr/>
-        </p:nvPicPr>
-        <p:blipFill>
-          <a:blip r:embed="rId10">
+          <a:blip r:embed="rId2">
             <a:extLst>
               <a:ext uri="{28A0092B-C50C-407E-A947-70E740481C1C}">
                 <a14:useLocalDpi xmlns:a14="http://schemas.microsoft.com/office/drawing/2010/main" val="0"/>
@@ -4583,8 +5866,8 @@
         </p:blipFill>
         <p:spPr>
           <a:xfrm>
-            <a:off x="6892566" y="3477725"/>
-            <a:ext cx="390782" cy="398756"/>
+            <a:off x="8725543" y="1682880"/>
+            <a:ext cx="1456841" cy="1681882"/>
           </a:xfrm>
           <a:prstGeom prst="rect">
             <a:avLst/>
@@ -4593,14 +5876,14 @@
       </p:pic>
       <p:pic>
         <p:nvPicPr>
-          <p:cNvPr id="19" name="Image 18"/>
+          <p:cNvPr id="5" name="Image 4"/>
           <p:cNvPicPr>
             <a:picLocks noChangeAspect="1"/>
           </p:cNvPicPr>
           <p:nvPr/>
         </p:nvPicPr>
         <p:blipFill>
-          <a:blip r:embed="rId11">
+          <a:blip r:embed="rId3">
             <a:extLst>
               <a:ext uri="{28A0092B-C50C-407E-A947-70E740481C1C}">
                 <a14:useLocalDpi xmlns:a14="http://schemas.microsoft.com/office/drawing/2010/main" val="0"/>
@@ -4613,8 +5896,158 @@
         </p:blipFill>
         <p:spPr>
           <a:xfrm>
-            <a:off x="6844972" y="4916626"/>
-            <a:ext cx="466558" cy="466558"/>
+            <a:off x="4479009" y="402273"/>
+            <a:ext cx="2050657" cy="1589259"/>
+          </a:xfrm>
+          <a:prstGeom prst="rect">
+            <a:avLst/>
+          </a:prstGeom>
+        </p:spPr>
+      </p:pic>
+      <p:sp>
+        <p:nvSpPr>
+          <p:cNvPr id="6" name="ZoneTexte 5"/>
+          <p:cNvSpPr txBox="1"/>
+          <p:nvPr/>
+        </p:nvSpPr>
+        <p:spPr>
+          <a:xfrm>
+            <a:off x="2200759" y="2523821"/>
+            <a:ext cx="1410346" cy="584775"/>
+          </a:xfrm>
+          <a:prstGeom prst="rect">
+            <a:avLst/>
+          </a:prstGeom>
+          <a:noFill/>
+        </p:spPr>
+        <p:txBody>
+          <a:bodyPr wrap="square" rtlCol="0">
+            <a:spAutoFit/>
+          </a:bodyPr>
+          <a:lstStyle/>
+          <a:p>
+            <a:r>
+              <a:rPr lang="en-AU" sz="3200" smtClean="0"/>
+              <a:t>Base R</a:t>
+            </a:r>
+            <a:endParaRPr lang="en-AU" sz="3200"/>
+          </a:p>
+        </p:txBody>
+      </p:sp>
+      <p:cxnSp>
+        <p:nvCxnSpPr>
+          <p:cNvPr id="9" name="Connecteur droit avec flèche 8"/>
+          <p:cNvCxnSpPr/>
+          <p:nvPr/>
+        </p:nvCxnSpPr>
+        <p:spPr>
+          <a:xfrm flipH="1">
+            <a:off x="4479009" y="2187791"/>
+            <a:ext cx="705860" cy="446921"/>
+          </a:xfrm>
+          <a:prstGeom prst="straightConnector1">
+            <a:avLst/>
+          </a:prstGeom>
+          <a:ln w="34925">
+            <a:solidFill>
+              <a:srgbClr val="FF0000"/>
+            </a:solidFill>
+            <a:tailEnd type="triangle"/>
+          </a:ln>
+        </p:spPr>
+        <p:style>
+          <a:lnRef idx="1">
+            <a:schemeClr val="accent1"/>
+          </a:lnRef>
+          <a:fillRef idx="0">
+            <a:schemeClr val="accent1"/>
+          </a:fillRef>
+          <a:effectRef idx="0">
+            <a:schemeClr val="accent1"/>
+          </a:effectRef>
+          <a:fontRef idx="minor">
+            <a:schemeClr val="tx1"/>
+          </a:fontRef>
+        </p:style>
+      </p:cxnSp>
+      <p:cxnSp>
+        <p:nvCxnSpPr>
+          <p:cNvPr id="11" name="Connecteur droit avec flèche 10"/>
+          <p:cNvCxnSpPr/>
+          <p:nvPr/>
+        </p:nvCxnSpPr>
+        <p:spPr>
+          <a:xfrm>
+            <a:off x="6405703" y="2187790"/>
+            <a:ext cx="868972" cy="336031"/>
+          </a:xfrm>
+          <a:prstGeom prst="straightConnector1">
+            <a:avLst/>
+          </a:prstGeom>
+          <a:ln w="34925">
+            <a:solidFill>
+              <a:srgbClr val="FF0000"/>
+            </a:solidFill>
+            <a:tailEnd type="triangle"/>
+          </a:ln>
+        </p:spPr>
+        <p:style>
+          <a:lnRef idx="1">
+            <a:schemeClr val="accent1"/>
+          </a:lnRef>
+          <a:fillRef idx="0">
+            <a:schemeClr val="accent1"/>
+          </a:fillRef>
+          <a:effectRef idx="0">
+            <a:schemeClr val="accent1"/>
+          </a:effectRef>
+          <a:fontRef idx="minor">
+            <a:schemeClr val="tx1"/>
+          </a:fontRef>
+        </p:style>
+      </p:cxnSp>
+      <p:pic>
+        <p:nvPicPr>
+          <p:cNvPr id="2" name="Image 1"/>
+          <p:cNvPicPr>
+            <a:picLocks noChangeAspect="1"/>
+          </p:cNvPicPr>
+          <p:nvPr/>
+        </p:nvPicPr>
+        <p:blipFill>
+          <a:blip r:embed="rId4"/>
+          <a:stretch>
+            <a:fillRect/>
+          </a:stretch>
+        </p:blipFill>
+        <p:spPr>
+          <a:xfrm>
+            <a:off x="0" y="3503908"/>
+            <a:ext cx="7010400" cy="533400"/>
+          </a:xfrm>
+          <a:prstGeom prst="rect">
+            <a:avLst/>
+          </a:prstGeom>
+        </p:spPr>
+      </p:pic>
+      <p:pic>
+        <p:nvPicPr>
+          <p:cNvPr id="3" name="Image 2"/>
+          <p:cNvPicPr>
+            <a:picLocks noChangeAspect="1"/>
+          </p:cNvPicPr>
+          <p:nvPr/>
+        </p:nvPicPr>
+        <p:blipFill>
+          <a:blip r:embed="rId5"/>
+          <a:stretch>
+            <a:fillRect/>
+          </a:stretch>
+        </p:blipFill>
+        <p:spPr>
+          <a:xfrm>
+            <a:off x="7256863" y="3503908"/>
+            <a:ext cx="4394200" cy="1054100"/>
           </a:xfrm>
           <a:prstGeom prst="rect">
             <a:avLst/>
@@ -4624,7 +6057,643 @@
     </p:spTree>
     <p:extLst>
       <p:ext uri="{BB962C8B-B14F-4D97-AF65-F5344CB8AC3E}">
-        <p14:creationId xmlns:p14="http://schemas.microsoft.com/office/powerpoint/2010/main" val="565921796"/>
+        <p14:creationId xmlns:p14="http://schemas.microsoft.com/office/powerpoint/2010/main" val="1263449240"/>
+      </p:ext>
+    </p:extLst>
+  </p:cSld>
+  <p:clrMapOvr>
+    <a:masterClrMapping/>
+  </p:clrMapOvr>
+  <p:timing>
+    <p:tnLst>
+      <p:par>
+        <p:cTn id="1" dur="indefinite" restart="never" nodeType="tmRoot"/>
+      </p:par>
+    </p:tnLst>
+  </p:timing>
+</p:sld>
+</file>
+
+<file path=ppt/slides/slide6.xml><?xml version="1.0" encoding="utf-8"?>
+<p:sld xmlns:a="http://schemas.openxmlformats.org/drawingml/2006/main" xmlns:r="http://schemas.openxmlformats.org/officeDocument/2006/relationships" xmlns:p="http://schemas.openxmlformats.org/presentationml/2006/main">
+  <p:cSld>
+    <p:spTree>
+      <p:nvGrpSpPr>
+        <p:cNvPr id="1" name=""/>
+        <p:cNvGrpSpPr/>
+        <p:nvPr/>
+      </p:nvGrpSpPr>
+      <p:grpSpPr>
+        <a:xfrm>
+          <a:off x="0" y="0"/>
+          <a:ext cx="0" cy="0"/>
+          <a:chOff x="0" y="0"/>
+          <a:chExt cx="0" cy="0"/>
+        </a:xfrm>
+      </p:grpSpPr>
+      <p:pic>
+        <p:nvPicPr>
+          <p:cNvPr id="7" name="Image 6"/>
+          <p:cNvPicPr>
+            <a:picLocks noChangeAspect="1"/>
+          </p:cNvPicPr>
+          <p:nvPr/>
+        </p:nvPicPr>
+        <p:blipFill>
+          <a:blip r:embed="rId2">
+            <a:extLst>
+              <a:ext uri="{28A0092B-C50C-407E-A947-70E740481C1C}">
+                <a14:useLocalDpi xmlns:a14="http://schemas.microsoft.com/office/drawing/2010/main" val="0"/>
+              </a:ext>
+            </a:extLst>
+          </a:blip>
+          <a:stretch>
+            <a:fillRect/>
+          </a:stretch>
+        </p:blipFill>
+        <p:spPr>
+          <a:xfrm>
+            <a:off x="232475" y="1616377"/>
+            <a:ext cx="2863194" cy="3315277"/>
+          </a:xfrm>
+          <a:prstGeom prst="rect">
+            <a:avLst/>
+          </a:prstGeom>
+        </p:spPr>
+      </p:pic>
+      <p:pic>
+        <p:nvPicPr>
+          <p:cNvPr id="8" name="Image 7"/>
+          <p:cNvPicPr>
+            <a:picLocks noChangeAspect="1"/>
+          </p:cNvPicPr>
+          <p:nvPr/>
+        </p:nvPicPr>
+        <p:blipFill>
+          <a:blip r:embed="rId3"/>
+          <a:stretch>
+            <a:fillRect/>
+          </a:stretch>
+        </p:blipFill>
+        <p:spPr>
+          <a:xfrm>
+            <a:off x="3262053" y="1594683"/>
+            <a:ext cx="4583680" cy="3510366"/>
+          </a:xfrm>
+          <a:prstGeom prst="rect">
+            <a:avLst/>
+          </a:prstGeom>
+        </p:spPr>
+      </p:pic>
+      <p:sp>
+        <p:nvSpPr>
+          <p:cNvPr id="10" name="ZoneTexte 9"/>
+          <p:cNvSpPr txBox="1"/>
+          <p:nvPr/>
+        </p:nvSpPr>
+        <p:spPr>
+          <a:xfrm>
+            <a:off x="7845733" y="2565036"/>
+            <a:ext cx="4346267" cy="1569660"/>
+          </a:xfrm>
+          <a:prstGeom prst="rect">
+            <a:avLst/>
+          </a:prstGeom>
+          <a:noFill/>
+        </p:spPr>
+        <p:txBody>
+          <a:bodyPr wrap="square" rtlCol="0">
+            <a:spAutoFit/>
+          </a:bodyPr>
+          <a:lstStyle/>
+          <a:p>
+            <a:pPr marL="342900" indent="-342900">
+              <a:buFont typeface="Arial" charset="0"/>
+              <a:buChar char="•"/>
+            </a:pPr>
+            <a:r>
+              <a:rPr lang="en-AU" sz="2400" dirty="0" smtClean="0"/>
+              <a:t>Creator: Hadley </a:t>
+            </a:r>
+            <a:r>
+              <a:rPr lang="en-AU" sz="2400" dirty="0" err="1" smtClean="0"/>
+              <a:t>Whickam</a:t>
+            </a:r>
+            <a:endParaRPr lang="en-AU" sz="2400" dirty="0" smtClean="0"/>
+          </a:p>
+          <a:p>
+            <a:pPr marL="342900" indent="-342900">
+              <a:buFont typeface="Arial" charset="0"/>
+              <a:buChar char="•"/>
+            </a:pPr>
+            <a:endParaRPr lang="en-AU" sz="2400" dirty="0" smtClean="0"/>
+          </a:p>
+          <a:p>
+            <a:pPr marL="342900" indent="-342900">
+              <a:buFont typeface="Arial" charset="0"/>
+              <a:buChar char="•"/>
+            </a:pPr>
+            <a:r>
+              <a:rPr lang="en-AU" sz="2400" dirty="0" smtClean="0"/>
+              <a:t>Based on the </a:t>
+            </a:r>
+            <a:r>
+              <a:rPr lang="en-AU" sz="2400" b="1" u="sng" dirty="0" smtClean="0"/>
+              <a:t>G</a:t>
+            </a:r>
+            <a:r>
+              <a:rPr lang="en-AU" sz="2400" dirty="0" smtClean="0"/>
+              <a:t>rammar of </a:t>
+            </a:r>
+            <a:r>
+              <a:rPr lang="en-AU" sz="2400" b="1" u="sng" dirty="0" smtClean="0"/>
+              <a:t>G</a:t>
+            </a:r>
+            <a:r>
+              <a:rPr lang="en-AU" sz="2400" dirty="0" smtClean="0"/>
+              <a:t>raphic</a:t>
+            </a:r>
+          </a:p>
+        </p:txBody>
+      </p:sp>
+      <p:pic>
+        <p:nvPicPr>
+          <p:cNvPr id="13" name="Image 12"/>
+          <p:cNvPicPr>
+            <a:picLocks noChangeAspect="1"/>
+          </p:cNvPicPr>
+          <p:nvPr/>
+        </p:nvPicPr>
+        <p:blipFill>
+          <a:blip r:embed="rId4"/>
+          <a:stretch>
+            <a:fillRect/>
+          </a:stretch>
+        </p:blipFill>
+        <p:spPr>
+          <a:xfrm>
+            <a:off x="8012117" y="4357499"/>
+            <a:ext cx="3060700" cy="901700"/>
+          </a:xfrm>
+          <a:prstGeom prst="rect">
+            <a:avLst/>
+          </a:prstGeom>
+        </p:spPr>
+      </p:pic>
+    </p:spTree>
+    <p:extLst>
+      <p:ext uri="{BB962C8B-B14F-4D97-AF65-F5344CB8AC3E}">
+        <p14:creationId xmlns:p14="http://schemas.microsoft.com/office/powerpoint/2010/main" val="1336678323"/>
+      </p:ext>
+    </p:extLst>
+  </p:cSld>
+  <p:clrMapOvr>
+    <a:masterClrMapping/>
+  </p:clrMapOvr>
+  <p:timing>
+    <p:tnLst>
+      <p:par>
+        <p:cTn id="1" dur="indefinite" restart="never" nodeType="tmRoot"/>
+      </p:par>
+    </p:tnLst>
+  </p:timing>
+</p:sld>
+</file>
+
+<file path=ppt/slides/slide7.xml><?xml version="1.0" encoding="utf-8"?>
+<p:sld xmlns:a="http://schemas.openxmlformats.org/drawingml/2006/main" xmlns:r="http://schemas.openxmlformats.org/officeDocument/2006/relationships" xmlns:p="http://schemas.openxmlformats.org/presentationml/2006/main">
+  <p:cSld>
+    <p:spTree>
+      <p:nvGrpSpPr>
+        <p:cNvPr id="1" name=""/>
+        <p:cNvGrpSpPr/>
+        <p:nvPr/>
+      </p:nvGrpSpPr>
+      <p:grpSpPr>
+        <a:xfrm>
+          <a:off x="0" y="0"/>
+          <a:ext cx="0" cy="0"/>
+          <a:chOff x="0" y="0"/>
+          <a:chExt cx="0" cy="0"/>
+        </a:xfrm>
+      </p:grpSpPr>
+      <p:pic>
+        <p:nvPicPr>
+          <p:cNvPr id="2" name="Image 1"/>
+          <p:cNvPicPr>
+            <a:picLocks noChangeAspect="1"/>
+          </p:cNvPicPr>
+          <p:nvPr/>
+        </p:nvPicPr>
+        <p:blipFill>
+          <a:blip r:embed="rId2"/>
+          <a:stretch>
+            <a:fillRect/>
+          </a:stretch>
+        </p:blipFill>
+        <p:spPr>
+          <a:xfrm>
+            <a:off x="1414221" y="4470615"/>
+            <a:ext cx="3505200" cy="1295400"/>
+          </a:xfrm>
+          <a:prstGeom prst="rect">
+            <a:avLst/>
+          </a:prstGeom>
+        </p:spPr>
+      </p:pic>
+      <p:sp>
+        <p:nvSpPr>
+          <p:cNvPr id="6" name="ZoneTexte 3"/>
+          <p:cNvSpPr txBox="1"/>
+          <p:nvPr/>
+        </p:nvSpPr>
+        <p:spPr>
+          <a:xfrm>
+            <a:off x="-721520" y="4856705"/>
+            <a:ext cx="3037872" cy="523220"/>
+          </a:xfrm>
+          <a:prstGeom prst="rect">
+            <a:avLst/>
+          </a:prstGeom>
+          <a:noFill/>
+        </p:spPr>
+        <p:txBody>
+          <a:bodyPr wrap="square" rtlCol="0">
+            <a:spAutoFit/>
+          </a:bodyPr>
+          <a:lstStyle>
+            <a:defPPr>
+              <a:defRPr lang="fr-FR"/>
+            </a:defPPr>
+            <a:lvl1pPr algn="ctr">
+              <a:defRPr>
+                <a:solidFill>
+                  <a:srgbClr val="FF0000"/>
+                </a:solidFill>
+              </a:defRPr>
+            </a:lvl1pPr>
+          </a:lstStyle>
+          <a:p>
+            <a:r>
+              <a:rPr lang="fr-FR" sz="2800" smtClean="0"/>
+              <a:t>Data </a:t>
+            </a:r>
+            <a:endParaRPr lang="fr-FR" sz="2800" dirty="0"/>
+          </a:p>
+        </p:txBody>
+      </p:sp>
+      <p:pic>
+        <p:nvPicPr>
+          <p:cNvPr id="8" name="Image 7"/>
+          <p:cNvPicPr>
+            <a:picLocks noChangeAspect="1"/>
+          </p:cNvPicPr>
+          <p:nvPr/>
+        </p:nvPicPr>
+        <p:blipFill>
+          <a:blip r:embed="rId3"/>
+          <a:stretch>
+            <a:fillRect/>
+          </a:stretch>
+        </p:blipFill>
+        <p:spPr>
+          <a:xfrm>
+            <a:off x="723800" y="542117"/>
+            <a:ext cx="1993900" cy="876300"/>
+          </a:xfrm>
+          <a:prstGeom prst="rect">
+            <a:avLst/>
+          </a:prstGeom>
+        </p:spPr>
+      </p:pic>
+      <p:pic>
+        <p:nvPicPr>
+          <p:cNvPr id="9" name="Image 8"/>
+          <p:cNvPicPr>
+            <a:picLocks noChangeAspect="1"/>
+          </p:cNvPicPr>
+          <p:nvPr/>
+        </p:nvPicPr>
+        <p:blipFill>
+          <a:blip r:embed="rId4"/>
+          <a:stretch>
+            <a:fillRect/>
+          </a:stretch>
+        </p:blipFill>
+        <p:spPr>
+          <a:xfrm>
+            <a:off x="6168530" y="1984429"/>
+            <a:ext cx="5300216" cy="4253677"/>
+          </a:xfrm>
+          <a:prstGeom prst="rect">
+            <a:avLst/>
+          </a:prstGeom>
+        </p:spPr>
+      </p:pic>
+    </p:spTree>
+    <p:extLst>
+      <p:ext uri="{BB962C8B-B14F-4D97-AF65-F5344CB8AC3E}">
+        <p14:creationId xmlns:p14="http://schemas.microsoft.com/office/powerpoint/2010/main" val="1031791494"/>
+      </p:ext>
+    </p:extLst>
+  </p:cSld>
+  <p:clrMapOvr>
+    <a:masterClrMapping/>
+  </p:clrMapOvr>
+  <p:timing>
+    <p:tnLst>
+      <p:par>
+        <p:cTn id="1" dur="indefinite" restart="never" nodeType="tmRoot"/>
+      </p:par>
+    </p:tnLst>
+  </p:timing>
+</p:sld>
+</file>
+
+<file path=ppt/slides/slide8.xml><?xml version="1.0" encoding="utf-8"?>
+<p:sld xmlns:a="http://schemas.openxmlformats.org/drawingml/2006/main" xmlns:r="http://schemas.openxmlformats.org/officeDocument/2006/relationships" xmlns:p="http://schemas.openxmlformats.org/presentationml/2006/main">
+  <p:cSld>
+    <p:spTree>
+      <p:nvGrpSpPr>
+        <p:cNvPr id="1" name=""/>
+        <p:cNvGrpSpPr/>
+        <p:nvPr/>
+      </p:nvGrpSpPr>
+      <p:grpSpPr>
+        <a:xfrm>
+          <a:off x="0" y="0"/>
+          <a:ext cx="0" cy="0"/>
+          <a:chOff x="0" y="0"/>
+          <a:chExt cx="0" cy="0"/>
+        </a:xfrm>
+      </p:grpSpPr>
+      <p:pic>
+        <p:nvPicPr>
+          <p:cNvPr id="2" name="Image 1"/>
+          <p:cNvPicPr>
+            <a:picLocks noChangeAspect="1"/>
+          </p:cNvPicPr>
+          <p:nvPr/>
+        </p:nvPicPr>
+        <p:blipFill>
+          <a:blip r:embed="rId2"/>
+          <a:stretch>
+            <a:fillRect/>
+          </a:stretch>
+        </p:blipFill>
+        <p:spPr>
+          <a:xfrm>
+            <a:off x="1414221" y="4470615"/>
+            <a:ext cx="3505200" cy="1295400"/>
+          </a:xfrm>
+          <a:prstGeom prst="rect">
+            <a:avLst/>
+          </a:prstGeom>
+        </p:spPr>
+      </p:pic>
+      <p:sp>
+        <p:nvSpPr>
+          <p:cNvPr id="6" name="ZoneTexte 3"/>
+          <p:cNvSpPr txBox="1"/>
+          <p:nvPr/>
+        </p:nvSpPr>
+        <p:spPr>
+          <a:xfrm>
+            <a:off x="-721520" y="4856705"/>
+            <a:ext cx="3037872" cy="523220"/>
+          </a:xfrm>
+          <a:prstGeom prst="rect">
+            <a:avLst/>
+          </a:prstGeom>
+          <a:noFill/>
+        </p:spPr>
+        <p:txBody>
+          <a:bodyPr wrap="square" rtlCol="0">
+            <a:spAutoFit/>
+          </a:bodyPr>
+          <a:lstStyle>
+            <a:defPPr>
+              <a:defRPr lang="fr-FR"/>
+            </a:defPPr>
+            <a:lvl1pPr algn="ctr">
+              <a:defRPr>
+                <a:solidFill>
+                  <a:srgbClr val="FF0000"/>
+                </a:solidFill>
+              </a:defRPr>
+            </a:lvl1pPr>
+          </a:lstStyle>
+          <a:p>
+            <a:r>
+              <a:rPr lang="fr-FR" sz="2800" smtClean="0"/>
+              <a:t>Data </a:t>
+            </a:r>
+            <a:endParaRPr lang="fr-FR" sz="2800" dirty="0"/>
+          </a:p>
+        </p:txBody>
+      </p:sp>
+      <p:pic>
+        <p:nvPicPr>
+          <p:cNvPr id="8" name="Image 7"/>
+          <p:cNvPicPr>
+            <a:picLocks noChangeAspect="1"/>
+          </p:cNvPicPr>
+          <p:nvPr/>
+        </p:nvPicPr>
+        <p:blipFill>
+          <a:blip r:embed="rId3"/>
+          <a:stretch>
+            <a:fillRect/>
+          </a:stretch>
+        </p:blipFill>
+        <p:spPr>
+          <a:xfrm>
+            <a:off x="474852" y="498421"/>
+            <a:ext cx="3683000" cy="901700"/>
+          </a:xfrm>
+          <a:prstGeom prst="rect">
+            <a:avLst/>
+          </a:prstGeom>
+        </p:spPr>
+      </p:pic>
+      <p:pic>
+        <p:nvPicPr>
+          <p:cNvPr id="9" name="Image 8"/>
+          <p:cNvPicPr>
+            <a:picLocks noChangeAspect="1"/>
+          </p:cNvPicPr>
+          <p:nvPr/>
+        </p:nvPicPr>
+        <p:blipFill>
+          <a:blip r:embed="rId4"/>
+          <a:stretch>
+            <a:fillRect/>
+          </a:stretch>
+        </p:blipFill>
+        <p:spPr>
+          <a:xfrm>
+            <a:off x="6168530" y="1984429"/>
+            <a:ext cx="5300216" cy="4253677"/>
+          </a:xfrm>
+          <a:prstGeom prst="rect">
+            <a:avLst/>
+          </a:prstGeom>
+        </p:spPr>
+      </p:pic>
+    </p:spTree>
+    <p:extLst>
+      <p:ext uri="{BB962C8B-B14F-4D97-AF65-F5344CB8AC3E}">
+        <p14:creationId xmlns:p14="http://schemas.microsoft.com/office/powerpoint/2010/main" val="1822357338"/>
+      </p:ext>
+    </p:extLst>
+  </p:cSld>
+  <p:clrMapOvr>
+    <a:masterClrMapping/>
+  </p:clrMapOvr>
+  <p:timing>
+    <p:tnLst>
+      <p:par>
+        <p:cTn id="1" dur="indefinite" restart="never" nodeType="tmRoot"/>
+      </p:par>
+    </p:tnLst>
+  </p:timing>
+</p:sld>
+</file>
+
+<file path=ppt/slides/slide9.xml><?xml version="1.0" encoding="utf-8"?>
+<p:sld xmlns:a="http://schemas.openxmlformats.org/drawingml/2006/main" xmlns:r="http://schemas.openxmlformats.org/officeDocument/2006/relationships" xmlns:p="http://schemas.openxmlformats.org/presentationml/2006/main">
+  <p:cSld>
+    <p:spTree>
+      <p:nvGrpSpPr>
+        <p:cNvPr id="1" name=""/>
+        <p:cNvGrpSpPr/>
+        <p:nvPr/>
+      </p:nvGrpSpPr>
+      <p:grpSpPr>
+        <a:xfrm>
+          <a:off x="0" y="0"/>
+          <a:ext cx="0" cy="0"/>
+          <a:chOff x="0" y="0"/>
+          <a:chExt cx="0" cy="0"/>
+        </a:xfrm>
+      </p:grpSpPr>
+      <p:pic>
+        <p:nvPicPr>
+          <p:cNvPr id="2" name="Image 1"/>
+          <p:cNvPicPr>
+            <a:picLocks noChangeAspect="1"/>
+          </p:cNvPicPr>
+          <p:nvPr/>
+        </p:nvPicPr>
+        <p:blipFill>
+          <a:blip r:embed="rId2"/>
+          <a:stretch>
+            <a:fillRect/>
+          </a:stretch>
+        </p:blipFill>
+        <p:spPr>
+          <a:xfrm>
+            <a:off x="1414221" y="4470615"/>
+            <a:ext cx="3505200" cy="1295400"/>
+          </a:xfrm>
+          <a:prstGeom prst="rect">
+            <a:avLst/>
+          </a:prstGeom>
+        </p:spPr>
+      </p:pic>
+      <p:sp>
+        <p:nvSpPr>
+          <p:cNvPr id="6" name="ZoneTexte 3"/>
+          <p:cNvSpPr txBox="1"/>
+          <p:nvPr/>
+        </p:nvSpPr>
+        <p:spPr>
+          <a:xfrm>
+            <a:off x="-721520" y="4856705"/>
+            <a:ext cx="3037872" cy="523220"/>
+          </a:xfrm>
+          <a:prstGeom prst="rect">
+            <a:avLst/>
+          </a:prstGeom>
+          <a:noFill/>
+        </p:spPr>
+        <p:txBody>
+          <a:bodyPr wrap="square" rtlCol="0">
+            <a:spAutoFit/>
+          </a:bodyPr>
+          <a:lstStyle>
+            <a:defPPr>
+              <a:defRPr lang="fr-FR"/>
+            </a:defPPr>
+            <a:lvl1pPr algn="ctr">
+              <a:defRPr>
+                <a:solidFill>
+                  <a:srgbClr val="FF0000"/>
+                </a:solidFill>
+              </a:defRPr>
+            </a:lvl1pPr>
+          </a:lstStyle>
+          <a:p>
+            <a:r>
+              <a:rPr lang="fr-FR" sz="2800" smtClean="0"/>
+              <a:t>Data </a:t>
+            </a:r>
+            <a:endParaRPr lang="fr-FR" sz="2800" dirty="0"/>
+          </a:p>
+        </p:txBody>
+      </p:sp>
+      <p:pic>
+        <p:nvPicPr>
+          <p:cNvPr id="4" name="Image 3"/>
+          <p:cNvPicPr>
+            <a:picLocks noChangeAspect="1"/>
+          </p:cNvPicPr>
+          <p:nvPr/>
+        </p:nvPicPr>
+        <p:blipFill>
+          <a:blip r:embed="rId3"/>
+          <a:stretch>
+            <a:fillRect/>
+          </a:stretch>
+        </p:blipFill>
+        <p:spPr>
+          <a:xfrm>
+            <a:off x="274664" y="248402"/>
+            <a:ext cx="10464800" cy="812800"/>
+          </a:xfrm>
+          <a:prstGeom prst="rect">
+            <a:avLst/>
+          </a:prstGeom>
+        </p:spPr>
+      </p:pic>
+      <p:pic>
+        <p:nvPicPr>
+          <p:cNvPr id="7" name="Image 6"/>
+          <p:cNvPicPr>
+            <a:picLocks noChangeAspect="1"/>
+          </p:cNvPicPr>
+          <p:nvPr/>
+        </p:nvPicPr>
+        <p:blipFill>
+          <a:blip r:embed="rId4"/>
+          <a:stretch>
+            <a:fillRect/>
+          </a:stretch>
+        </p:blipFill>
+        <p:spPr>
+          <a:xfrm>
+            <a:off x="6077181" y="2448732"/>
+            <a:ext cx="5878285" cy="4114799"/>
+          </a:xfrm>
+          <a:prstGeom prst="rect">
+            <a:avLst/>
+          </a:prstGeom>
+        </p:spPr>
+      </p:pic>
+    </p:spTree>
+    <p:extLst>
+      <p:ext uri="{BB962C8B-B14F-4D97-AF65-F5344CB8AC3E}">
+        <p14:creationId xmlns:p14="http://schemas.microsoft.com/office/powerpoint/2010/main" val="1168348592"/>
       </p:ext>
     </p:extLst>
   </p:cSld>

--- a/Ggplot2_basic.pptx
+++ b/Ggplot2_basic.pptx
@@ -5216,36 +5216,6 @@
       </p:grpSpPr>
       <p:pic>
         <p:nvPicPr>
-          <p:cNvPr id="4" name="Image 3"/>
-          <p:cNvPicPr>
-            <a:picLocks noChangeAspect="1"/>
-          </p:cNvPicPr>
-          <p:nvPr/>
-        </p:nvPicPr>
-        <p:blipFill>
-          <a:blip r:embed="rId2">
-            <a:extLst>
-              <a:ext uri="{28A0092B-C50C-407E-A947-70E740481C1C}">
-                <a14:useLocalDpi xmlns:a14="http://schemas.microsoft.com/office/drawing/2010/main" val="0"/>
-              </a:ext>
-            </a:extLst>
-          </a:blip>
-          <a:stretch>
-            <a:fillRect/>
-          </a:stretch>
-        </p:blipFill>
-        <p:spPr>
-          <a:xfrm>
-            <a:off x="8725543" y="1682880"/>
-            <a:ext cx="1456841" cy="1681882"/>
-          </a:xfrm>
-          <a:prstGeom prst="rect">
-            <a:avLst/>
-          </a:prstGeom>
-        </p:spPr>
-      </p:pic>
-      <p:pic>
-        <p:nvPicPr>
           <p:cNvPr id="5" name="Image 4"/>
           <p:cNvPicPr>
             <a:picLocks noChangeAspect="1"/>
@@ -5253,7 +5223,7 @@
           <p:nvPr/>
         </p:nvPicPr>
         <p:blipFill>
-          <a:blip r:embed="rId3">
+          <a:blip r:embed="rId2">
             <a:extLst>
               <a:ext uri="{28A0092B-C50C-407E-A947-70E740481C1C}">
                 <a14:useLocalDpi xmlns:a14="http://schemas.microsoft.com/office/drawing/2010/main" val="0"/>
@@ -5376,6 +5346,36 @@
           </a:fontRef>
         </p:style>
       </p:cxnSp>
+      <p:pic>
+        <p:nvPicPr>
+          <p:cNvPr id="14" name="Image 13"/>
+          <p:cNvPicPr>
+            <a:picLocks noChangeAspect="1"/>
+          </p:cNvPicPr>
+          <p:nvPr/>
+        </p:nvPicPr>
+        <p:blipFill>
+          <a:blip r:embed="rId3">
+            <a:extLst>
+              <a:ext uri="{28A0092B-C50C-407E-A947-70E740481C1C}">
+                <a14:useLocalDpi xmlns:a14="http://schemas.microsoft.com/office/drawing/2010/main" val="0"/>
+              </a:ext>
+            </a:extLst>
+          </a:blip>
+          <a:stretch>
+            <a:fillRect/>
+          </a:stretch>
+        </p:blipFill>
+        <p:spPr>
+          <a:xfrm>
+            <a:off x="7650675" y="1658903"/>
+            <a:ext cx="1498378" cy="1729835"/>
+          </a:xfrm>
+          <a:prstGeom prst="rect">
+            <a:avLst/>
+          </a:prstGeom>
+        </p:spPr>
+      </p:pic>
     </p:spTree>
     <p:extLst>
       <p:ext uri="{BB962C8B-B14F-4D97-AF65-F5344CB8AC3E}">
@@ -5532,7 +5532,7 @@
       </p:sp>
       <p:pic>
         <p:nvPicPr>
-          <p:cNvPr id="13" name="Image 12"/>
+          <p:cNvPr id="14" name="Image 13"/>
           <p:cNvPicPr>
             <a:picLocks noChangeAspect="1"/>
           </p:cNvPicPr>
@@ -5552,8 +5552,8 @@
         </p:blipFill>
         <p:spPr>
           <a:xfrm>
-            <a:off x="1053986" y="1770531"/>
-            <a:ext cx="1456841" cy="1681882"/>
+            <a:off x="1033218" y="1441927"/>
+            <a:ext cx="1498378" cy="1729835"/>
           </a:xfrm>
           <a:prstGeom prst="rect">
             <a:avLst/>
@@ -5599,7 +5599,7 @@
       </p:grpSpPr>
       <p:pic>
         <p:nvPicPr>
-          <p:cNvPr id="4" name="Image 3"/>
+          <p:cNvPr id="5" name="Image 4"/>
           <p:cNvPicPr>
             <a:picLocks noChangeAspect="1"/>
           </p:cNvPicPr>
@@ -5619,36 +5619,6 @@
         </p:blipFill>
         <p:spPr>
           <a:xfrm>
-            <a:off x="8725543" y="1682880"/>
-            <a:ext cx="1456841" cy="1681882"/>
-          </a:xfrm>
-          <a:prstGeom prst="rect">
-            <a:avLst/>
-          </a:prstGeom>
-        </p:spPr>
-      </p:pic>
-      <p:pic>
-        <p:nvPicPr>
-          <p:cNvPr id="5" name="Image 4"/>
-          <p:cNvPicPr>
-            <a:picLocks noChangeAspect="1"/>
-          </p:cNvPicPr>
-          <p:nvPr/>
-        </p:nvPicPr>
-        <p:blipFill>
-          <a:blip r:embed="rId3">
-            <a:extLst>
-              <a:ext uri="{28A0092B-C50C-407E-A947-70E740481C1C}">
-                <a14:useLocalDpi xmlns:a14="http://schemas.microsoft.com/office/drawing/2010/main" val="0"/>
-              </a:ext>
-            </a:extLst>
-          </a:blip>
-          <a:stretch>
-            <a:fillRect/>
-          </a:stretch>
-        </p:blipFill>
-        <p:spPr>
-          <a:xfrm>
             <a:off x="4479009" y="402273"/>
             <a:ext cx="2050657" cy="1589259"/>
           </a:xfrm>
@@ -5696,7 +5666,7 @@
           <p:nvPr/>
         </p:nvPicPr>
         <p:blipFill>
-          <a:blip r:embed="rId4"/>
+          <a:blip r:embed="rId3"/>
           <a:stretch>
             <a:fillRect/>
           </a:stretch>
@@ -5720,7 +5690,7 @@
           <p:nvPr/>
         </p:nvPicPr>
         <p:blipFill>
-          <a:blip r:embed="rId5"/>
+          <a:blip r:embed="rId4"/>
           <a:stretch>
             <a:fillRect/>
           </a:stretch>
@@ -5807,6 +5777,36 @@
           </a:fontRef>
         </p:style>
       </p:cxnSp>
+      <p:pic>
+        <p:nvPicPr>
+          <p:cNvPr id="10" name="Image 9"/>
+          <p:cNvPicPr>
+            <a:picLocks noChangeAspect="1"/>
+          </p:cNvPicPr>
+          <p:nvPr/>
+        </p:nvPicPr>
+        <p:blipFill>
+          <a:blip r:embed="rId5">
+            <a:extLst>
+              <a:ext uri="{28A0092B-C50C-407E-A947-70E740481C1C}">
+                <a14:useLocalDpi xmlns:a14="http://schemas.microsoft.com/office/drawing/2010/main" val="0"/>
+              </a:ext>
+            </a:extLst>
+          </a:blip>
+          <a:stretch>
+            <a:fillRect/>
+          </a:stretch>
+        </p:blipFill>
+        <p:spPr>
+          <a:xfrm>
+            <a:off x="7650675" y="1658903"/>
+            <a:ext cx="1498378" cy="1729835"/>
+          </a:xfrm>
+          <a:prstGeom prst="rect">
+            <a:avLst/>
+          </a:prstGeom>
+        </p:spPr>
+      </p:pic>
     </p:spTree>
     <p:extLst>
       <p:ext uri="{BB962C8B-B14F-4D97-AF65-F5344CB8AC3E}">
@@ -5846,36 +5846,6 @@
       </p:grpSpPr>
       <p:pic>
         <p:nvPicPr>
-          <p:cNvPr id="4" name="Image 3"/>
-          <p:cNvPicPr>
-            <a:picLocks noChangeAspect="1"/>
-          </p:cNvPicPr>
-          <p:nvPr/>
-        </p:nvPicPr>
-        <p:blipFill>
-          <a:blip r:embed="rId2">
-            <a:extLst>
-              <a:ext uri="{28A0092B-C50C-407E-A947-70E740481C1C}">
-                <a14:useLocalDpi xmlns:a14="http://schemas.microsoft.com/office/drawing/2010/main" val="0"/>
-              </a:ext>
-            </a:extLst>
-          </a:blip>
-          <a:stretch>
-            <a:fillRect/>
-          </a:stretch>
-        </p:blipFill>
-        <p:spPr>
-          <a:xfrm>
-            <a:off x="8725543" y="1682880"/>
-            <a:ext cx="1456841" cy="1681882"/>
-          </a:xfrm>
-          <a:prstGeom prst="rect">
-            <a:avLst/>
-          </a:prstGeom>
-        </p:spPr>
-      </p:pic>
-      <p:pic>
-        <p:nvPicPr>
           <p:cNvPr id="5" name="Image 4"/>
           <p:cNvPicPr>
             <a:picLocks noChangeAspect="1"/>
@@ -5883,7 +5853,7 @@
           <p:nvPr/>
         </p:nvPicPr>
         <p:blipFill>
-          <a:blip r:embed="rId3">
+          <a:blip r:embed="rId2">
             <a:extLst>
               <a:ext uri="{28A0092B-C50C-407E-A947-70E740481C1C}">
                 <a14:useLocalDpi xmlns:a14="http://schemas.microsoft.com/office/drawing/2010/main" val="0"/>
@@ -6015,7 +5985,7 @@
           <p:nvPr/>
         </p:nvPicPr>
         <p:blipFill>
-          <a:blip r:embed="rId4"/>
+          <a:blip r:embed="rId3"/>
           <a:stretch>
             <a:fillRect/>
           </a:stretch>
@@ -6039,7 +6009,7 @@
           <p:nvPr/>
         </p:nvPicPr>
         <p:blipFill>
-          <a:blip r:embed="rId5"/>
+          <a:blip r:embed="rId4"/>
           <a:stretch>
             <a:fillRect/>
           </a:stretch>
@@ -6048,6 +6018,36 @@
           <a:xfrm>
             <a:off x="7256863" y="3503908"/>
             <a:ext cx="4394200" cy="1054100"/>
+          </a:xfrm>
+          <a:prstGeom prst="rect">
+            <a:avLst/>
+          </a:prstGeom>
+        </p:spPr>
+      </p:pic>
+      <p:pic>
+        <p:nvPicPr>
+          <p:cNvPr id="12" name="Image 11"/>
+          <p:cNvPicPr>
+            <a:picLocks noChangeAspect="1"/>
+          </p:cNvPicPr>
+          <p:nvPr/>
+        </p:nvPicPr>
+        <p:blipFill>
+          <a:blip r:embed="rId5">
+            <a:extLst>
+              <a:ext uri="{28A0092B-C50C-407E-A947-70E740481C1C}">
+                <a14:useLocalDpi xmlns:a14="http://schemas.microsoft.com/office/drawing/2010/main" val="0"/>
+              </a:ext>
+            </a:extLst>
+          </a:blip>
+          <a:stretch>
+            <a:fillRect/>
+          </a:stretch>
+        </p:blipFill>
+        <p:spPr>
+          <a:xfrm>
+            <a:off x="7650675" y="1658903"/>
+            <a:ext cx="1498378" cy="1729835"/>
           </a:xfrm>
           <a:prstGeom prst="rect">
             <a:avLst/>
